--- a/智慧食譜推薦系統：後端架構.pptx
+++ b/智慧食譜推薦系統：後端架構.pptx
@@ -6,11 +6,18 @@
   </p:sldMasterIdLst>
   <p:sldIdLst>
     <p:sldId id="256" r:id="rId2"/>
-    <p:sldId id="257" r:id="rId3"/>
-    <p:sldId id="258" r:id="rId4"/>
-    <p:sldId id="259" r:id="rId5"/>
-    <p:sldId id="260" r:id="rId6"/>
-    <p:sldId id="261" r:id="rId7"/>
+    <p:sldId id="266" r:id="rId3"/>
+    <p:sldId id="257" r:id="rId4"/>
+    <p:sldId id="258" r:id="rId5"/>
+    <p:sldId id="259" r:id="rId6"/>
+    <p:sldId id="260" r:id="rId7"/>
+    <p:sldId id="262" r:id="rId8"/>
+    <p:sldId id="263" r:id="rId9"/>
+    <p:sldId id="268" r:id="rId10"/>
+    <p:sldId id="267" r:id="rId11"/>
+    <p:sldId id="269" r:id="rId12"/>
+    <p:sldId id="270" r:id="rId13"/>
+    <p:sldId id="261" r:id="rId14"/>
   </p:sldIdLst>
   <p:sldSz cx="12192000" cy="6858000"/>
   <p:notesSz cx="6858000" cy="9144000"/>
@@ -448,7 +455,7 @@
           <a:p>
             <a:fld id="{3C596FD4-4365-4364-B1CD-6B3B56614197}" type="datetimeFigureOut">
               <a:rPr lang="zh-TW" altLang="en-US" smtClean="0"/>
-              <a:t>2025/12/11</a:t>
+              <a:t>2026/1/8</a:t>
             </a:fld>
             <a:endParaRPr lang="zh-TW" altLang="en-US"/>
           </a:p>
@@ -588,7 +595,10 @@
           </a:bodyPr>
           <a:lstStyle>
             <a:lvl1pPr algn="ctr">
-              <a:defRPr sz="2400" b="0"/>
+              <a:defRPr sz="2400" b="0">
+                <a:latin typeface="標楷體" panose="03000509000000000000" pitchFamily="65" charset="-120"/>
+                <a:ea typeface="標楷體" panose="03000509000000000000" pitchFamily="65" charset="-120"/>
+              </a:defRPr>
             </a:lvl1pPr>
           </a:lstStyle>
           <a:p>
@@ -644,7 +654,10 @@
           <a:lstStyle>
             <a:lvl1pPr marL="0" indent="0" algn="ctr">
               <a:buNone/>
-              <a:defRPr sz="1600"/>
+              <a:defRPr sz="1600">
+                <a:latin typeface="標楷體" panose="03000509000000000000" pitchFamily="65" charset="-120"/>
+                <a:ea typeface="標楷體" panose="03000509000000000000" pitchFamily="65" charset="-120"/>
+              </a:defRPr>
             </a:lvl1pPr>
             <a:lvl2pPr marL="457200" indent="0">
               <a:buNone/>
@@ -711,7 +724,10 @@
           <a:lstStyle>
             <a:lvl1pPr marL="0" indent="0" algn="ctr">
               <a:buNone/>
-              <a:defRPr sz="1400"/>
+              <a:defRPr sz="1400">
+                <a:latin typeface="標楷體" panose="03000509000000000000" pitchFamily="65" charset="-120"/>
+                <a:ea typeface="標楷體" panose="03000509000000000000" pitchFamily="65" charset="-120"/>
+              </a:defRPr>
             </a:lvl1pPr>
             <a:lvl2pPr marL="457200" indent="0">
               <a:buNone/>
@@ -768,11 +784,19 @@
         <p:spPr/>
         <p:txBody>
           <a:bodyPr/>
-          <a:lstStyle/>
+          <a:lstStyle>
+            <a:lvl1pPr>
+              <a:defRPr>
+                <a:latin typeface="標楷體" panose="03000509000000000000" pitchFamily="65" charset="-120"/>
+                <a:ea typeface="標楷體" panose="03000509000000000000" pitchFamily="65" charset="-120"/>
+              </a:defRPr>
+            </a:lvl1pPr>
+          </a:lstStyle>
           <a:p>
             <a:fld id="{3C596FD4-4365-4364-B1CD-6B3B56614197}" type="datetimeFigureOut">
               <a:rPr lang="zh-TW" altLang="en-US" smtClean="0"/>
-              <a:t>2025/12/11</a:t>
+              <a:pPr/>
+              <a:t>2026/1/8</a:t>
             </a:fld>
             <a:endParaRPr lang="zh-TW" altLang="en-US"/>
           </a:p>
@@ -791,7 +815,14 @@
         <p:spPr/>
         <p:txBody>
           <a:bodyPr/>
-          <a:lstStyle/>
+          <a:lstStyle>
+            <a:lvl1pPr>
+              <a:defRPr>
+                <a:latin typeface="標楷體" panose="03000509000000000000" pitchFamily="65" charset="-120"/>
+                <a:ea typeface="標楷體" panose="03000509000000000000" pitchFamily="65" charset="-120"/>
+              </a:defRPr>
+            </a:lvl1pPr>
+          </a:lstStyle>
           <a:p>
             <a:endParaRPr lang="zh-TW" altLang="en-US"/>
           </a:p>
@@ -810,10 +841,18 @@
         <p:spPr/>
         <p:txBody>
           <a:bodyPr/>
-          <a:lstStyle/>
+          <a:lstStyle>
+            <a:lvl1pPr>
+              <a:defRPr>
+                <a:latin typeface="標楷體" panose="03000509000000000000" pitchFamily="65" charset="-120"/>
+                <a:ea typeface="標楷體" panose="03000509000000000000" pitchFamily="65" charset="-120"/>
+              </a:defRPr>
+            </a:lvl1pPr>
+          </a:lstStyle>
           <a:p>
             <a:fld id="{8203DEAB-A335-40D8-B707-26D7553F7104}" type="slidenum">
               <a:rPr lang="zh-TW" altLang="en-US" smtClean="0"/>
+              <a:pPr/>
               <a:t>‹#›</a:t>
             </a:fld>
             <a:endParaRPr lang="zh-TW" altLang="en-US"/>
@@ -872,7 +911,10 @@
           </a:bodyPr>
           <a:lstStyle>
             <a:lvl1pPr algn="ctr">
-              <a:defRPr sz="3200" b="0" cap="none"/>
+              <a:defRPr sz="3200" b="0" cap="none">
+                <a:latin typeface="標楷體" panose="03000509000000000000" pitchFamily="65" charset="-120"/>
+                <a:ea typeface="標楷體" panose="03000509000000000000" pitchFamily="65" charset="-120"/>
+              </a:defRPr>
             </a:lvl1pPr>
           </a:lstStyle>
           <a:p>
@@ -911,6 +953,8 @@
                 <a:solidFill>
                   <a:schemeClr val="tx1"/>
                 </a:solidFill>
+                <a:latin typeface="標楷體" panose="03000509000000000000" pitchFamily="65" charset="-120"/>
+                <a:ea typeface="標楷體" panose="03000509000000000000" pitchFamily="65" charset="-120"/>
               </a:defRPr>
             </a:lvl1pPr>
             <a:lvl2pPr marL="457200" indent="0">
@@ -1016,11 +1060,19 @@
         <p:spPr/>
         <p:txBody>
           <a:bodyPr/>
-          <a:lstStyle/>
+          <a:lstStyle>
+            <a:lvl1pPr>
+              <a:defRPr>
+                <a:latin typeface="標楷體" panose="03000509000000000000" pitchFamily="65" charset="-120"/>
+                <a:ea typeface="標楷體" panose="03000509000000000000" pitchFamily="65" charset="-120"/>
+              </a:defRPr>
+            </a:lvl1pPr>
+          </a:lstStyle>
           <a:p>
             <a:fld id="{3C596FD4-4365-4364-B1CD-6B3B56614197}" type="datetimeFigureOut">
               <a:rPr lang="zh-TW" altLang="en-US" smtClean="0"/>
-              <a:t>2025/12/11</a:t>
+              <a:pPr/>
+              <a:t>2026/1/8</a:t>
             </a:fld>
             <a:endParaRPr lang="zh-TW" altLang="en-US"/>
           </a:p>
@@ -1039,7 +1091,14 @@
         <p:spPr/>
         <p:txBody>
           <a:bodyPr/>
-          <a:lstStyle/>
+          <a:lstStyle>
+            <a:lvl1pPr>
+              <a:defRPr>
+                <a:latin typeface="標楷體" panose="03000509000000000000" pitchFamily="65" charset="-120"/>
+                <a:ea typeface="標楷體" panose="03000509000000000000" pitchFamily="65" charset="-120"/>
+              </a:defRPr>
+            </a:lvl1pPr>
+          </a:lstStyle>
           <a:p>
             <a:endParaRPr lang="zh-TW" altLang="en-US"/>
           </a:p>
@@ -1058,10 +1117,18 @@
         <p:spPr/>
         <p:txBody>
           <a:bodyPr/>
-          <a:lstStyle/>
+          <a:lstStyle>
+            <a:lvl1pPr>
+              <a:defRPr>
+                <a:latin typeface="標楷體" panose="03000509000000000000" pitchFamily="65" charset="-120"/>
+                <a:ea typeface="標楷體" panose="03000509000000000000" pitchFamily="65" charset="-120"/>
+              </a:defRPr>
+            </a:lvl1pPr>
+          </a:lstStyle>
           <a:p>
             <a:fld id="{8203DEAB-A335-40D8-B707-26D7553F7104}" type="slidenum">
               <a:rPr lang="zh-TW" altLang="en-US" smtClean="0"/>
+              <a:pPr/>
               <a:t>‹#›</a:t>
             </a:fld>
             <a:endParaRPr lang="zh-TW" altLang="en-US"/>
@@ -1155,6 +1222,8 @@
                 <a:solidFill>
                   <a:schemeClr val="tx1"/>
                 </a:solidFill>
+                <a:latin typeface="標楷體" panose="03000509000000000000" pitchFamily="65" charset="-120"/>
+                <a:ea typeface="標楷體" panose="03000509000000000000" pitchFamily="65" charset="-120"/>
               </a:defRPr>
             </a:lvl1pPr>
           </a:lstStyle>
@@ -1191,7 +1260,10 @@
             <a:lvl1pPr marL="0" indent="0" algn="r">
               <a:buFontTx/>
               <a:buNone/>
-              <a:defRPr sz="2000"/>
+              <a:defRPr sz="2000">
+                <a:latin typeface="標楷體" panose="03000509000000000000" pitchFamily="65" charset="-120"/>
+                <a:ea typeface="標楷體" panose="03000509000000000000" pitchFamily="65" charset="-120"/>
+              </a:defRPr>
             </a:lvl1pPr>
             <a:lvl2pPr marL="457200" indent="0">
               <a:buFontTx/>
@@ -1250,6 +1322,8 @@
                 <a:solidFill>
                   <a:schemeClr val="tx1"/>
                 </a:solidFill>
+                <a:latin typeface="標楷體" panose="03000509000000000000" pitchFamily="65" charset="-120"/>
+                <a:ea typeface="標楷體" panose="03000509000000000000" pitchFamily="65" charset="-120"/>
               </a:defRPr>
             </a:lvl1pPr>
             <a:lvl2pPr marL="457200" indent="0">
@@ -1355,11 +1429,19 @@
         <p:spPr/>
         <p:txBody>
           <a:bodyPr/>
-          <a:lstStyle/>
+          <a:lstStyle>
+            <a:lvl1pPr>
+              <a:defRPr>
+                <a:latin typeface="標楷體" panose="03000509000000000000" pitchFamily="65" charset="-120"/>
+                <a:ea typeface="標楷體" panose="03000509000000000000" pitchFamily="65" charset="-120"/>
+              </a:defRPr>
+            </a:lvl1pPr>
+          </a:lstStyle>
           <a:p>
             <a:fld id="{3C596FD4-4365-4364-B1CD-6B3B56614197}" type="datetimeFigureOut">
               <a:rPr lang="zh-TW" altLang="en-US" smtClean="0"/>
-              <a:t>2025/12/11</a:t>
+              <a:pPr/>
+              <a:t>2026/1/8</a:t>
             </a:fld>
             <a:endParaRPr lang="zh-TW" altLang="en-US"/>
           </a:p>
@@ -1378,7 +1460,14 @@
         <p:spPr/>
         <p:txBody>
           <a:bodyPr/>
-          <a:lstStyle/>
+          <a:lstStyle>
+            <a:lvl1pPr>
+              <a:defRPr>
+                <a:latin typeface="標楷體" panose="03000509000000000000" pitchFamily="65" charset="-120"/>
+                <a:ea typeface="標楷體" panose="03000509000000000000" pitchFamily="65" charset="-120"/>
+              </a:defRPr>
+            </a:lvl1pPr>
+          </a:lstStyle>
           <a:p>
             <a:endParaRPr lang="zh-TW" altLang="en-US"/>
           </a:p>
@@ -1397,10 +1486,18 @@
         <p:spPr/>
         <p:txBody>
           <a:bodyPr/>
-          <a:lstStyle/>
+          <a:lstStyle>
+            <a:lvl1pPr>
+              <a:defRPr>
+                <a:latin typeface="標楷體" panose="03000509000000000000" pitchFamily="65" charset="-120"/>
+                <a:ea typeface="標楷體" panose="03000509000000000000" pitchFamily="65" charset="-120"/>
+              </a:defRPr>
+            </a:lvl1pPr>
+          </a:lstStyle>
           <a:p>
             <a:fld id="{8203DEAB-A335-40D8-B707-26D7553F7104}" type="slidenum">
               <a:rPr lang="zh-TW" altLang="en-US" smtClean="0"/>
+              <a:pPr/>
               <a:t>‹#›</a:t>
             </a:fld>
             <a:endParaRPr lang="zh-TW" altLang="en-US"/>
@@ -1435,6 +1532,8 @@
                   <a:schemeClr val="tx1"/>
                 </a:solidFill>
                 <a:effectLst/>
+                <a:latin typeface="標楷體" panose="03000509000000000000" pitchFamily="65" charset="-120"/>
+                <a:ea typeface="標楷體" panose="03000509000000000000" pitchFamily="65" charset="-120"/>
               </a:rPr>
               <a:t>“</a:t>
             </a:r>
@@ -1469,6 +1568,8 @@
                   <a:schemeClr val="tx1"/>
                 </a:solidFill>
                 <a:effectLst/>
+                <a:latin typeface="標楷體" panose="03000509000000000000" pitchFamily="65" charset="-120"/>
+                <a:ea typeface="標楷體" panose="03000509000000000000" pitchFamily="65" charset="-120"/>
               </a:rPr>
               <a:t>”</a:t>
             </a:r>
@@ -1558,7 +1659,10 @@
           </a:bodyPr>
           <a:lstStyle>
             <a:lvl1pPr algn="l">
-              <a:defRPr sz="3200" b="0" cap="none"/>
+              <a:defRPr sz="3200" b="0" cap="none">
+                <a:latin typeface="標楷體" panose="03000509000000000000" pitchFamily="65" charset="-120"/>
+                <a:ea typeface="標楷體" panose="03000509000000000000" pitchFamily="65" charset="-120"/>
+              </a:defRPr>
             </a:lvl1pPr>
           </a:lstStyle>
           <a:p>
@@ -1597,6 +1701,8 @@
                 <a:solidFill>
                   <a:schemeClr val="tx1"/>
                 </a:solidFill>
+                <a:latin typeface="標楷體" panose="03000509000000000000" pitchFamily="65" charset="-120"/>
+                <a:ea typeface="標楷體" panose="03000509000000000000" pitchFamily="65" charset="-120"/>
               </a:defRPr>
             </a:lvl1pPr>
             <a:lvl2pPr marL="457200" indent="0">
@@ -1702,11 +1808,19 @@
         <p:spPr/>
         <p:txBody>
           <a:bodyPr/>
-          <a:lstStyle/>
+          <a:lstStyle>
+            <a:lvl1pPr>
+              <a:defRPr>
+                <a:latin typeface="標楷體" panose="03000509000000000000" pitchFamily="65" charset="-120"/>
+                <a:ea typeface="標楷體" panose="03000509000000000000" pitchFamily="65" charset="-120"/>
+              </a:defRPr>
+            </a:lvl1pPr>
+          </a:lstStyle>
           <a:p>
             <a:fld id="{3C596FD4-4365-4364-B1CD-6B3B56614197}" type="datetimeFigureOut">
               <a:rPr lang="zh-TW" altLang="en-US" smtClean="0"/>
-              <a:t>2025/12/11</a:t>
+              <a:pPr/>
+              <a:t>2026/1/8</a:t>
             </a:fld>
             <a:endParaRPr lang="zh-TW" altLang="en-US"/>
           </a:p>
@@ -1725,7 +1839,14 @@
         <p:spPr/>
         <p:txBody>
           <a:bodyPr/>
-          <a:lstStyle/>
+          <a:lstStyle>
+            <a:lvl1pPr>
+              <a:defRPr>
+                <a:latin typeface="標楷體" panose="03000509000000000000" pitchFamily="65" charset="-120"/>
+                <a:ea typeface="標楷體" panose="03000509000000000000" pitchFamily="65" charset="-120"/>
+              </a:defRPr>
+            </a:lvl1pPr>
+          </a:lstStyle>
           <a:p>
             <a:endParaRPr lang="zh-TW" altLang="en-US"/>
           </a:p>
@@ -1744,10 +1865,18 @@
         <p:spPr/>
         <p:txBody>
           <a:bodyPr/>
-          <a:lstStyle/>
+          <a:lstStyle>
+            <a:lvl1pPr>
+              <a:defRPr>
+                <a:latin typeface="標楷體" panose="03000509000000000000" pitchFamily="65" charset="-120"/>
+                <a:ea typeface="標楷體" panose="03000509000000000000" pitchFamily="65" charset="-120"/>
+              </a:defRPr>
+            </a:lvl1pPr>
+          </a:lstStyle>
           <a:p>
             <a:fld id="{8203DEAB-A335-40D8-B707-26D7553F7104}" type="slidenum">
               <a:rPr lang="zh-TW" altLang="en-US" smtClean="0"/>
+              <a:pPr/>
               <a:t>‹#›</a:t>
             </a:fld>
             <a:endParaRPr lang="zh-TW" altLang="en-US"/>
@@ -1810,6 +1939,8 @@
                 <a:solidFill>
                   <a:schemeClr val="tx1"/>
                 </a:solidFill>
+                <a:latin typeface="標楷體" panose="03000509000000000000" pitchFamily="65" charset="-120"/>
+                <a:ea typeface="標楷體" panose="03000509000000000000" pitchFamily="65" charset="-120"/>
               </a:defRPr>
             </a:lvl1pPr>
           </a:lstStyle>
@@ -1852,6 +1983,8 @@
                 <a:solidFill>
                   <a:schemeClr val="tx1"/>
                 </a:solidFill>
+                <a:latin typeface="標楷體" panose="03000509000000000000" pitchFamily="65" charset="-120"/>
+                <a:ea typeface="標楷體" panose="03000509000000000000" pitchFamily="65" charset="-120"/>
               </a:defRPr>
             </a:lvl1pPr>
             <a:lvl2pPr marL="457200" indent="0">
@@ -1971,6 +2104,8 @@
                 <a:solidFill>
                   <a:schemeClr val="tx1"/>
                 </a:solidFill>
+                <a:latin typeface="標楷體" panose="03000509000000000000" pitchFamily="65" charset="-120"/>
+                <a:ea typeface="標楷體" panose="03000509000000000000" pitchFamily="65" charset="-120"/>
               </a:defRPr>
             </a:lvl1pPr>
             <a:lvl2pPr marL="457200" indent="0">
@@ -2076,11 +2211,19 @@
         <p:spPr/>
         <p:txBody>
           <a:bodyPr/>
-          <a:lstStyle/>
+          <a:lstStyle>
+            <a:lvl1pPr>
+              <a:defRPr>
+                <a:latin typeface="標楷體" panose="03000509000000000000" pitchFamily="65" charset="-120"/>
+                <a:ea typeface="標楷體" panose="03000509000000000000" pitchFamily="65" charset="-120"/>
+              </a:defRPr>
+            </a:lvl1pPr>
+          </a:lstStyle>
           <a:p>
             <a:fld id="{3C596FD4-4365-4364-B1CD-6B3B56614197}" type="datetimeFigureOut">
               <a:rPr lang="zh-TW" altLang="en-US" smtClean="0"/>
-              <a:t>2025/12/11</a:t>
+              <a:pPr/>
+              <a:t>2026/1/8</a:t>
             </a:fld>
             <a:endParaRPr lang="zh-TW" altLang="en-US"/>
           </a:p>
@@ -2099,7 +2242,14 @@
         <p:spPr/>
         <p:txBody>
           <a:bodyPr/>
-          <a:lstStyle/>
+          <a:lstStyle>
+            <a:lvl1pPr>
+              <a:defRPr>
+                <a:latin typeface="標楷體" panose="03000509000000000000" pitchFamily="65" charset="-120"/>
+                <a:ea typeface="標楷體" panose="03000509000000000000" pitchFamily="65" charset="-120"/>
+              </a:defRPr>
+            </a:lvl1pPr>
+          </a:lstStyle>
           <a:p>
             <a:endParaRPr lang="zh-TW" altLang="en-US"/>
           </a:p>
@@ -2118,10 +2268,18 @@
         <p:spPr/>
         <p:txBody>
           <a:bodyPr/>
-          <a:lstStyle/>
+          <a:lstStyle>
+            <a:lvl1pPr>
+              <a:defRPr>
+                <a:latin typeface="標楷體" panose="03000509000000000000" pitchFamily="65" charset="-120"/>
+                <a:ea typeface="標楷體" panose="03000509000000000000" pitchFamily="65" charset="-120"/>
+              </a:defRPr>
+            </a:lvl1pPr>
+          </a:lstStyle>
           <a:p>
             <a:fld id="{8203DEAB-A335-40D8-B707-26D7553F7104}" type="slidenum">
               <a:rPr lang="zh-TW" altLang="en-US" smtClean="0"/>
+              <a:pPr/>
               <a:t>‹#›</a:t>
             </a:fld>
             <a:endParaRPr lang="zh-TW" altLang="en-US"/>
@@ -2156,6 +2314,8 @@
                   <a:schemeClr val="tx1"/>
                 </a:solidFill>
                 <a:effectLst/>
+                <a:latin typeface="標楷體" panose="03000509000000000000" pitchFamily="65" charset="-120"/>
+                <a:ea typeface="標楷體" panose="03000509000000000000" pitchFamily="65" charset="-120"/>
               </a:rPr>
               <a:t>“</a:t>
             </a:r>
@@ -2190,6 +2350,8 @@
                   <a:schemeClr val="tx1"/>
                 </a:solidFill>
                 <a:effectLst/>
+                <a:latin typeface="標楷體" panose="03000509000000000000" pitchFamily="65" charset="-120"/>
+                <a:ea typeface="標楷體" panose="03000509000000000000" pitchFamily="65" charset="-120"/>
               </a:rPr>
               <a:t>”</a:t>
             </a:r>
@@ -2279,13 +2441,16 @@
           </a:bodyPr>
           <a:lstStyle>
             <a:lvl1pPr>
-              <a:defRPr lang="en-US" b="0" dirty="0"/>
+              <a:defRPr lang="en-US" b="0" dirty="0">
+                <a:latin typeface="標楷體" panose="03000509000000000000" pitchFamily="65" charset="-120"/>
+                <a:ea typeface="標楷體" panose="03000509000000000000" pitchFamily="65" charset="-120"/>
+              </a:defRPr>
             </a:lvl1pPr>
           </a:lstStyle>
           <a:p>
             <a:pPr marL="0" lvl="0"/>
             <a:r>
-              <a:rPr lang="zh-TW" altLang="en-US" smtClean="0"/>
+              <a:rPr lang="zh-TW" altLang="en-US" dirty="0" smtClean="0"/>
               <a:t>按一下以編輯母片標題樣式</a:t>
             </a:r>
             <a:endParaRPr lang="en-US" dirty="0"/>
@@ -2322,6 +2487,8 @@
                 <a:solidFill>
                   <a:schemeClr val="tx1"/>
                 </a:solidFill>
+                <a:latin typeface="標楷體" panose="03000509000000000000" pitchFamily="65" charset="-120"/>
+                <a:ea typeface="標楷體" panose="03000509000000000000" pitchFamily="65" charset="-120"/>
               </a:defRPr>
             </a:lvl1pPr>
             <a:lvl2pPr marL="457200" indent="0">
@@ -2441,6 +2608,8 @@
                 <a:solidFill>
                   <a:schemeClr val="tx1"/>
                 </a:solidFill>
+                <a:latin typeface="標楷體" panose="03000509000000000000" pitchFamily="65" charset="-120"/>
+                <a:ea typeface="標楷體" panose="03000509000000000000" pitchFamily="65" charset="-120"/>
               </a:defRPr>
             </a:lvl1pPr>
             <a:lvl2pPr marL="457200" indent="0">
@@ -2546,11 +2715,19 @@
         <p:spPr/>
         <p:txBody>
           <a:bodyPr/>
-          <a:lstStyle/>
+          <a:lstStyle>
+            <a:lvl1pPr>
+              <a:defRPr>
+                <a:latin typeface="標楷體" panose="03000509000000000000" pitchFamily="65" charset="-120"/>
+                <a:ea typeface="標楷體" panose="03000509000000000000" pitchFamily="65" charset="-120"/>
+              </a:defRPr>
+            </a:lvl1pPr>
+          </a:lstStyle>
           <a:p>
             <a:fld id="{3C596FD4-4365-4364-B1CD-6B3B56614197}" type="datetimeFigureOut">
               <a:rPr lang="zh-TW" altLang="en-US" smtClean="0"/>
-              <a:t>2025/12/11</a:t>
+              <a:pPr/>
+              <a:t>2026/1/8</a:t>
             </a:fld>
             <a:endParaRPr lang="zh-TW" altLang="en-US"/>
           </a:p>
@@ -2569,7 +2746,14 @@
         <p:spPr/>
         <p:txBody>
           <a:bodyPr/>
-          <a:lstStyle/>
+          <a:lstStyle>
+            <a:lvl1pPr>
+              <a:defRPr>
+                <a:latin typeface="標楷體" panose="03000509000000000000" pitchFamily="65" charset="-120"/>
+                <a:ea typeface="標楷體" panose="03000509000000000000" pitchFamily="65" charset="-120"/>
+              </a:defRPr>
+            </a:lvl1pPr>
+          </a:lstStyle>
           <a:p>
             <a:endParaRPr lang="zh-TW" altLang="en-US"/>
           </a:p>
@@ -2588,10 +2772,18 @@
         <p:spPr/>
         <p:txBody>
           <a:bodyPr/>
-          <a:lstStyle/>
+          <a:lstStyle>
+            <a:lvl1pPr>
+              <a:defRPr>
+                <a:latin typeface="標楷體" panose="03000509000000000000" pitchFamily="65" charset="-120"/>
+                <a:ea typeface="標楷體" panose="03000509000000000000" pitchFamily="65" charset="-120"/>
+              </a:defRPr>
+            </a:lvl1pPr>
+          </a:lstStyle>
           <a:p>
             <a:fld id="{8203DEAB-A335-40D8-B707-26D7553F7104}" type="slidenum">
               <a:rPr lang="zh-TW" altLang="en-US" smtClean="0"/>
+              <a:pPr/>
               <a:t>‹#›</a:t>
             </a:fld>
             <a:endParaRPr lang="zh-TW" altLang="en-US"/>
@@ -2674,7 +2866,10 @@
           <a:bodyPr/>
           <a:lstStyle>
             <a:lvl1pPr algn="ctr">
-              <a:defRPr/>
+              <a:defRPr>
+                <a:latin typeface="標楷體" panose="03000509000000000000" pitchFamily="65" charset="-120"/>
+                <a:ea typeface="標楷體" panose="03000509000000000000" pitchFamily="65" charset="-120"/>
+              </a:defRPr>
             </a:lvl1pPr>
           </a:lstStyle>
           <a:p>
@@ -2699,7 +2894,38 @@
         <p:spPr/>
         <p:txBody>
           <a:bodyPr vert="eaVert" anchor="t"/>
-          <a:lstStyle/>
+          <a:lstStyle>
+            <a:lvl1pPr>
+              <a:defRPr>
+                <a:latin typeface="標楷體" panose="03000509000000000000" pitchFamily="65" charset="-120"/>
+                <a:ea typeface="標楷體" panose="03000509000000000000" pitchFamily="65" charset="-120"/>
+              </a:defRPr>
+            </a:lvl1pPr>
+            <a:lvl2pPr>
+              <a:defRPr>
+                <a:latin typeface="標楷體" panose="03000509000000000000" pitchFamily="65" charset="-120"/>
+                <a:ea typeface="標楷體" panose="03000509000000000000" pitchFamily="65" charset="-120"/>
+              </a:defRPr>
+            </a:lvl2pPr>
+            <a:lvl3pPr>
+              <a:defRPr>
+                <a:latin typeface="標楷體" panose="03000509000000000000" pitchFamily="65" charset="-120"/>
+                <a:ea typeface="標楷體" panose="03000509000000000000" pitchFamily="65" charset="-120"/>
+              </a:defRPr>
+            </a:lvl3pPr>
+            <a:lvl4pPr>
+              <a:defRPr>
+                <a:latin typeface="標楷體" panose="03000509000000000000" pitchFamily="65" charset="-120"/>
+                <a:ea typeface="標楷體" panose="03000509000000000000" pitchFamily="65" charset="-120"/>
+              </a:defRPr>
+            </a:lvl4pPr>
+            <a:lvl5pPr>
+              <a:defRPr>
+                <a:latin typeface="標楷體" panose="03000509000000000000" pitchFamily="65" charset="-120"/>
+                <a:ea typeface="標楷體" panose="03000509000000000000" pitchFamily="65" charset="-120"/>
+              </a:defRPr>
+            </a:lvl5pPr>
+          </a:lstStyle>
           <a:p>
             <a:pPr lvl="0"/>
             <a:r>
@@ -2751,11 +2977,19 @@
         <p:spPr/>
         <p:txBody>
           <a:bodyPr/>
-          <a:lstStyle/>
+          <a:lstStyle>
+            <a:lvl1pPr>
+              <a:defRPr>
+                <a:latin typeface="標楷體" panose="03000509000000000000" pitchFamily="65" charset="-120"/>
+                <a:ea typeface="標楷體" panose="03000509000000000000" pitchFamily="65" charset="-120"/>
+              </a:defRPr>
+            </a:lvl1pPr>
+          </a:lstStyle>
           <a:p>
             <a:fld id="{3C596FD4-4365-4364-B1CD-6B3B56614197}" type="datetimeFigureOut">
               <a:rPr lang="zh-TW" altLang="en-US" smtClean="0"/>
-              <a:t>2025/12/11</a:t>
+              <a:pPr/>
+              <a:t>2026/1/8</a:t>
             </a:fld>
             <a:endParaRPr lang="zh-TW" altLang="en-US"/>
           </a:p>
@@ -2774,7 +3008,14 @@
         <p:spPr/>
         <p:txBody>
           <a:bodyPr/>
-          <a:lstStyle/>
+          <a:lstStyle>
+            <a:lvl1pPr>
+              <a:defRPr>
+                <a:latin typeface="標楷體" panose="03000509000000000000" pitchFamily="65" charset="-120"/>
+                <a:ea typeface="標楷體" panose="03000509000000000000" pitchFamily="65" charset="-120"/>
+              </a:defRPr>
+            </a:lvl1pPr>
+          </a:lstStyle>
           <a:p>
             <a:endParaRPr lang="zh-TW" altLang="en-US"/>
           </a:p>
@@ -2793,10 +3034,18 @@
         <p:spPr/>
         <p:txBody>
           <a:bodyPr/>
-          <a:lstStyle/>
+          <a:lstStyle>
+            <a:lvl1pPr>
+              <a:defRPr>
+                <a:latin typeface="標楷體" panose="03000509000000000000" pitchFamily="65" charset="-120"/>
+                <a:ea typeface="標楷體" panose="03000509000000000000" pitchFamily="65" charset="-120"/>
+              </a:defRPr>
+            </a:lvl1pPr>
+          </a:lstStyle>
           <a:p>
             <a:fld id="{8203DEAB-A335-40D8-B707-26D7553F7104}" type="slidenum">
               <a:rPr lang="zh-TW" altLang="en-US" smtClean="0"/>
+              <a:pPr/>
               <a:t>‹#›</a:t>
             </a:fld>
             <a:endParaRPr lang="zh-TW" altLang="en-US"/>
@@ -2882,7 +3131,14 @@
         </p:spPr>
         <p:txBody>
           <a:bodyPr vert="eaVert"/>
-          <a:lstStyle/>
+          <a:lstStyle>
+            <a:lvl1pPr>
+              <a:defRPr>
+                <a:latin typeface="標楷體" panose="03000509000000000000" pitchFamily="65" charset="-120"/>
+                <a:ea typeface="標楷體" panose="03000509000000000000" pitchFamily="65" charset="-120"/>
+              </a:defRPr>
+            </a:lvl1pPr>
+          </a:lstStyle>
           <a:p>
             <a:r>
               <a:rPr lang="zh-TW" altLang="en-US" smtClean="0"/>
@@ -2910,7 +3166,38 @@
         </p:spPr>
         <p:txBody>
           <a:bodyPr vert="eaVert" anchor="t"/>
-          <a:lstStyle/>
+          <a:lstStyle>
+            <a:lvl1pPr>
+              <a:defRPr>
+                <a:latin typeface="標楷體" panose="03000509000000000000" pitchFamily="65" charset="-120"/>
+                <a:ea typeface="標楷體" panose="03000509000000000000" pitchFamily="65" charset="-120"/>
+              </a:defRPr>
+            </a:lvl1pPr>
+            <a:lvl2pPr>
+              <a:defRPr>
+                <a:latin typeface="標楷體" panose="03000509000000000000" pitchFamily="65" charset="-120"/>
+                <a:ea typeface="標楷體" panose="03000509000000000000" pitchFamily="65" charset="-120"/>
+              </a:defRPr>
+            </a:lvl2pPr>
+            <a:lvl3pPr>
+              <a:defRPr>
+                <a:latin typeface="標楷體" panose="03000509000000000000" pitchFamily="65" charset="-120"/>
+                <a:ea typeface="標楷體" panose="03000509000000000000" pitchFamily="65" charset="-120"/>
+              </a:defRPr>
+            </a:lvl3pPr>
+            <a:lvl4pPr>
+              <a:defRPr>
+                <a:latin typeface="標楷體" panose="03000509000000000000" pitchFamily="65" charset="-120"/>
+                <a:ea typeface="標楷體" panose="03000509000000000000" pitchFamily="65" charset="-120"/>
+              </a:defRPr>
+            </a:lvl4pPr>
+            <a:lvl5pPr>
+              <a:defRPr>
+                <a:latin typeface="標楷體" panose="03000509000000000000" pitchFamily="65" charset="-120"/>
+                <a:ea typeface="標楷體" panose="03000509000000000000" pitchFamily="65" charset="-120"/>
+              </a:defRPr>
+            </a:lvl5pPr>
+          </a:lstStyle>
           <a:p>
             <a:pPr lvl="0"/>
             <a:r>
@@ -2962,11 +3249,19 @@
         <p:spPr/>
         <p:txBody>
           <a:bodyPr/>
-          <a:lstStyle/>
+          <a:lstStyle>
+            <a:lvl1pPr>
+              <a:defRPr>
+                <a:latin typeface="標楷體" panose="03000509000000000000" pitchFamily="65" charset="-120"/>
+                <a:ea typeface="標楷體" panose="03000509000000000000" pitchFamily="65" charset="-120"/>
+              </a:defRPr>
+            </a:lvl1pPr>
+          </a:lstStyle>
           <a:p>
             <a:fld id="{3C596FD4-4365-4364-B1CD-6B3B56614197}" type="datetimeFigureOut">
               <a:rPr lang="zh-TW" altLang="en-US" smtClean="0"/>
-              <a:t>2025/12/11</a:t>
+              <a:pPr/>
+              <a:t>2026/1/8</a:t>
             </a:fld>
             <a:endParaRPr lang="zh-TW" altLang="en-US"/>
           </a:p>
@@ -2985,7 +3280,14 @@
         <p:spPr/>
         <p:txBody>
           <a:bodyPr/>
-          <a:lstStyle/>
+          <a:lstStyle>
+            <a:lvl1pPr>
+              <a:defRPr>
+                <a:latin typeface="標楷體" panose="03000509000000000000" pitchFamily="65" charset="-120"/>
+                <a:ea typeface="標楷體" panose="03000509000000000000" pitchFamily="65" charset="-120"/>
+              </a:defRPr>
+            </a:lvl1pPr>
+          </a:lstStyle>
           <a:p>
             <a:endParaRPr lang="zh-TW" altLang="en-US"/>
           </a:p>
@@ -3004,10 +3306,18 @@
         <p:spPr/>
         <p:txBody>
           <a:bodyPr/>
-          <a:lstStyle/>
+          <a:lstStyle>
+            <a:lvl1pPr>
+              <a:defRPr>
+                <a:latin typeface="標楷體" panose="03000509000000000000" pitchFamily="65" charset="-120"/>
+                <a:ea typeface="標楷體" panose="03000509000000000000" pitchFamily="65" charset="-120"/>
+              </a:defRPr>
+            </a:lvl1pPr>
+          </a:lstStyle>
           <a:p>
             <a:fld id="{8203DEAB-A335-40D8-B707-26D7553F7104}" type="slidenum">
               <a:rPr lang="zh-TW" altLang="en-US" smtClean="0"/>
+              <a:pPr/>
               <a:t>‹#›</a:t>
             </a:fld>
             <a:endParaRPr lang="zh-TW" altLang="en-US"/>
@@ -3198,7 +3508,7 @@
           <a:p>
             <a:fld id="{3C596FD4-4365-4364-B1CD-6B3B56614197}" type="datetimeFigureOut">
               <a:rPr lang="zh-TW" altLang="en-US" smtClean="0"/>
-              <a:t>2025/12/11</a:t>
+              <a:t>2026/1/8</a:t>
             </a:fld>
             <a:endParaRPr lang="zh-TW" altLang="en-US"/>
           </a:p>
@@ -3446,7 +3756,7 @@
           <a:p>
             <a:fld id="{3C596FD4-4365-4364-B1CD-6B3B56614197}" type="datetimeFigureOut">
               <a:rPr lang="zh-TW" altLang="en-US" smtClean="0"/>
-              <a:t>2025/12/11</a:t>
+              <a:t>2026/1/8</a:t>
             </a:fld>
             <a:endParaRPr lang="zh-TW" altLang="en-US"/>
           </a:p>
@@ -3744,7 +4054,7 @@
           <a:p>
             <a:fld id="{3C596FD4-4365-4364-B1CD-6B3B56614197}" type="datetimeFigureOut">
               <a:rPr lang="zh-TW" altLang="en-US" smtClean="0"/>
-              <a:t>2025/12/11</a:t>
+              <a:t>2026/1/8</a:t>
             </a:fld>
             <a:endParaRPr lang="zh-TW" altLang="en-US"/>
           </a:p>
@@ -4138,7 +4448,7 @@
           <a:p>
             <a:fld id="{3C596FD4-4365-4364-B1CD-6B3B56614197}" type="datetimeFigureOut">
               <a:rPr lang="zh-TW" altLang="en-US" smtClean="0"/>
-              <a:t>2025/12/11</a:t>
+              <a:t>2026/1/8</a:t>
             </a:fld>
             <a:endParaRPr lang="zh-TW" altLang="en-US"/>
           </a:p>
@@ -4260,10 +4570,17 @@
         <p:spPr/>
         <p:txBody>
           <a:bodyPr/>
-          <a:lstStyle/>
-          <a:p>
-            <a:r>
-              <a:rPr lang="zh-TW" altLang="en-US" smtClean="0"/>
+          <a:lstStyle>
+            <a:lvl1pPr>
+              <a:defRPr>
+                <a:latin typeface="標楷體" panose="03000509000000000000" pitchFamily="65" charset="-120"/>
+                <a:ea typeface="標楷體" panose="03000509000000000000" pitchFamily="65" charset="-120"/>
+              </a:defRPr>
+            </a:lvl1pPr>
+          </a:lstStyle>
+          <a:p>
+            <a:r>
+              <a:rPr lang="zh-TW" altLang="en-US" dirty="0" smtClean="0"/>
               <a:t>按一下以編輯母片標題樣式</a:t>
             </a:r>
             <a:endParaRPr lang="en-US" dirty="0"/>
@@ -4287,7 +4604,7 @@
           <a:p>
             <a:fld id="{3C596FD4-4365-4364-B1CD-6B3B56614197}" type="datetimeFigureOut">
               <a:rPr lang="zh-TW" altLang="en-US" smtClean="0"/>
-              <a:t>2025/12/11</a:t>
+              <a:t>2026/1/8</a:t>
             </a:fld>
             <a:endParaRPr lang="zh-TW" altLang="en-US"/>
           </a:p>
@@ -4409,11 +4726,19 @@
         <p:spPr/>
         <p:txBody>
           <a:bodyPr/>
-          <a:lstStyle/>
+          <a:lstStyle>
+            <a:lvl1pPr>
+              <a:defRPr>
+                <a:latin typeface="標楷體" panose="03000509000000000000" pitchFamily="65" charset="-120"/>
+                <a:ea typeface="標楷體" panose="03000509000000000000" pitchFamily="65" charset="-120"/>
+              </a:defRPr>
+            </a:lvl1pPr>
+          </a:lstStyle>
           <a:p>
             <a:fld id="{3C596FD4-4365-4364-B1CD-6B3B56614197}" type="datetimeFigureOut">
               <a:rPr lang="zh-TW" altLang="en-US" smtClean="0"/>
-              <a:t>2025/12/11</a:t>
+              <a:pPr/>
+              <a:t>2026/1/8</a:t>
             </a:fld>
             <a:endParaRPr lang="zh-TW" altLang="en-US"/>
           </a:p>
@@ -4432,7 +4757,14 @@
         <p:spPr/>
         <p:txBody>
           <a:bodyPr/>
-          <a:lstStyle/>
+          <a:lstStyle>
+            <a:lvl1pPr>
+              <a:defRPr>
+                <a:latin typeface="標楷體" panose="03000509000000000000" pitchFamily="65" charset="-120"/>
+                <a:ea typeface="標楷體" panose="03000509000000000000" pitchFamily="65" charset="-120"/>
+              </a:defRPr>
+            </a:lvl1pPr>
+          </a:lstStyle>
           <a:p>
             <a:endParaRPr lang="zh-TW" altLang="en-US"/>
           </a:p>
@@ -4451,10 +4783,18 @@
         <p:spPr/>
         <p:txBody>
           <a:bodyPr/>
-          <a:lstStyle/>
+          <a:lstStyle>
+            <a:lvl1pPr>
+              <a:defRPr>
+                <a:latin typeface="標楷體" panose="03000509000000000000" pitchFamily="65" charset="-120"/>
+                <a:ea typeface="標楷體" panose="03000509000000000000" pitchFamily="65" charset="-120"/>
+              </a:defRPr>
+            </a:lvl1pPr>
+          </a:lstStyle>
           <a:p>
             <a:fld id="{8203DEAB-A335-40D8-B707-26D7553F7104}" type="slidenum">
               <a:rPr lang="zh-TW" altLang="en-US" smtClean="0"/>
+              <a:pPr/>
               <a:t>‹#›</a:t>
             </a:fld>
             <a:endParaRPr lang="zh-TW" altLang="en-US"/>
@@ -4513,7 +4853,10 @@
           </a:bodyPr>
           <a:lstStyle>
             <a:lvl1pPr algn="ctr">
-              <a:defRPr sz="2400" b="0"/>
+              <a:defRPr sz="2400" b="0">
+                <a:latin typeface="標楷體" panose="03000509000000000000" pitchFamily="65" charset="-120"/>
+                <a:ea typeface="標楷體" panose="03000509000000000000" pitchFamily="65" charset="-120"/>
+              </a:defRPr>
             </a:lvl1pPr>
           </a:lstStyle>
           <a:p>
@@ -4545,7 +4888,38 @@
           <a:bodyPr anchor="ctr">
             <a:normAutofit/>
           </a:bodyPr>
-          <a:lstStyle/>
+          <a:lstStyle>
+            <a:lvl1pPr>
+              <a:defRPr>
+                <a:latin typeface="標楷體" panose="03000509000000000000" pitchFamily="65" charset="-120"/>
+                <a:ea typeface="標楷體" panose="03000509000000000000" pitchFamily="65" charset="-120"/>
+              </a:defRPr>
+            </a:lvl1pPr>
+            <a:lvl2pPr>
+              <a:defRPr>
+                <a:latin typeface="標楷體" panose="03000509000000000000" pitchFamily="65" charset="-120"/>
+                <a:ea typeface="標楷體" panose="03000509000000000000" pitchFamily="65" charset="-120"/>
+              </a:defRPr>
+            </a:lvl2pPr>
+            <a:lvl3pPr>
+              <a:defRPr>
+                <a:latin typeface="標楷體" panose="03000509000000000000" pitchFamily="65" charset="-120"/>
+                <a:ea typeface="標楷體" panose="03000509000000000000" pitchFamily="65" charset="-120"/>
+              </a:defRPr>
+            </a:lvl3pPr>
+            <a:lvl4pPr>
+              <a:defRPr>
+                <a:latin typeface="標楷體" panose="03000509000000000000" pitchFamily="65" charset="-120"/>
+                <a:ea typeface="標楷體" panose="03000509000000000000" pitchFamily="65" charset="-120"/>
+              </a:defRPr>
+            </a:lvl4pPr>
+            <a:lvl5pPr>
+              <a:defRPr>
+                <a:latin typeface="標楷體" panose="03000509000000000000" pitchFamily="65" charset="-120"/>
+                <a:ea typeface="標楷體" panose="03000509000000000000" pitchFamily="65" charset="-120"/>
+              </a:defRPr>
+            </a:lvl5pPr>
+          </a:lstStyle>
           <a:p>
             <a:pPr lvl="0"/>
             <a:r>
@@ -4607,7 +4981,10 @@
           <a:lstStyle>
             <a:lvl1pPr marL="0" indent="0" algn="ctr">
               <a:buNone/>
-              <a:defRPr sz="1600"/>
+              <a:defRPr sz="1600">
+                <a:latin typeface="標楷體" panose="03000509000000000000" pitchFamily="65" charset="-120"/>
+                <a:ea typeface="標楷體" panose="03000509000000000000" pitchFamily="65" charset="-120"/>
+              </a:defRPr>
             </a:lvl1pPr>
             <a:lvl2pPr marL="457200" indent="0">
               <a:buNone/>
@@ -4664,11 +5041,19 @@
         <p:spPr/>
         <p:txBody>
           <a:bodyPr/>
-          <a:lstStyle/>
+          <a:lstStyle>
+            <a:lvl1pPr>
+              <a:defRPr>
+                <a:latin typeface="標楷體" panose="03000509000000000000" pitchFamily="65" charset="-120"/>
+                <a:ea typeface="標楷體" panose="03000509000000000000" pitchFamily="65" charset="-120"/>
+              </a:defRPr>
+            </a:lvl1pPr>
+          </a:lstStyle>
           <a:p>
             <a:fld id="{3C596FD4-4365-4364-B1CD-6B3B56614197}" type="datetimeFigureOut">
               <a:rPr lang="zh-TW" altLang="en-US" smtClean="0"/>
-              <a:t>2025/12/11</a:t>
+              <a:pPr/>
+              <a:t>2026/1/8</a:t>
             </a:fld>
             <a:endParaRPr lang="zh-TW" altLang="en-US"/>
           </a:p>
@@ -4687,7 +5072,14 @@
         <p:spPr/>
         <p:txBody>
           <a:bodyPr/>
-          <a:lstStyle/>
+          <a:lstStyle>
+            <a:lvl1pPr>
+              <a:defRPr>
+                <a:latin typeface="標楷體" panose="03000509000000000000" pitchFamily="65" charset="-120"/>
+                <a:ea typeface="標楷體" panose="03000509000000000000" pitchFamily="65" charset="-120"/>
+              </a:defRPr>
+            </a:lvl1pPr>
+          </a:lstStyle>
           <a:p>
             <a:endParaRPr lang="zh-TW" altLang="en-US"/>
           </a:p>
@@ -4706,10 +5098,18 @@
         <p:spPr/>
         <p:txBody>
           <a:bodyPr/>
-          <a:lstStyle/>
+          <a:lstStyle>
+            <a:lvl1pPr>
+              <a:defRPr>
+                <a:latin typeface="標楷體" panose="03000509000000000000" pitchFamily="65" charset="-120"/>
+                <a:ea typeface="標楷體" panose="03000509000000000000" pitchFamily="65" charset="-120"/>
+              </a:defRPr>
+            </a:lvl1pPr>
+          </a:lstStyle>
           <a:p>
             <a:fld id="{8203DEAB-A335-40D8-B707-26D7553F7104}" type="slidenum">
               <a:rPr lang="zh-TW" altLang="en-US" smtClean="0"/>
+              <a:pPr/>
               <a:t>‹#›</a:t>
             </a:fld>
             <a:endParaRPr lang="zh-TW" altLang="en-US"/>
@@ -4799,7 +5199,10 @@
           </a:bodyPr>
           <a:lstStyle>
             <a:lvl1pPr algn="ctr">
-              <a:defRPr sz="2800" b="0"/>
+              <a:defRPr sz="2800" b="0">
+                <a:latin typeface="標楷體" panose="03000509000000000000" pitchFamily="65" charset="-120"/>
+                <a:ea typeface="標楷體" panose="03000509000000000000" pitchFamily="65" charset="-120"/>
+              </a:defRPr>
             </a:lvl1pPr>
           </a:lstStyle>
           <a:p>
@@ -4855,7 +5258,10 @@
           <a:lstStyle>
             <a:lvl1pPr marL="0" indent="0" algn="ctr">
               <a:buNone/>
-              <a:defRPr sz="1600"/>
+              <a:defRPr sz="1600">
+                <a:latin typeface="標楷體" panose="03000509000000000000" pitchFamily="65" charset="-120"/>
+                <a:ea typeface="標楷體" panose="03000509000000000000" pitchFamily="65" charset="-120"/>
+              </a:defRPr>
             </a:lvl1pPr>
             <a:lvl2pPr marL="457200" indent="0">
               <a:buNone/>
@@ -4922,7 +5328,10 @@
           <a:lstStyle>
             <a:lvl1pPr marL="0" indent="0" algn="ctr">
               <a:buNone/>
-              <a:defRPr sz="1800"/>
+              <a:defRPr sz="1800">
+                <a:latin typeface="標楷體" panose="03000509000000000000" pitchFamily="65" charset="-120"/>
+                <a:ea typeface="標楷體" panose="03000509000000000000" pitchFamily="65" charset="-120"/>
+              </a:defRPr>
             </a:lvl1pPr>
             <a:lvl2pPr marL="457200" indent="0">
               <a:buNone/>
@@ -4979,11 +5388,19 @@
         <p:spPr/>
         <p:txBody>
           <a:bodyPr/>
-          <a:lstStyle/>
+          <a:lstStyle>
+            <a:lvl1pPr>
+              <a:defRPr>
+                <a:latin typeface="標楷體" panose="03000509000000000000" pitchFamily="65" charset="-120"/>
+                <a:ea typeface="標楷體" panose="03000509000000000000" pitchFamily="65" charset="-120"/>
+              </a:defRPr>
+            </a:lvl1pPr>
+          </a:lstStyle>
           <a:p>
             <a:fld id="{3C596FD4-4365-4364-B1CD-6B3B56614197}" type="datetimeFigureOut">
               <a:rPr lang="zh-TW" altLang="en-US" smtClean="0"/>
-              <a:t>2025/12/11</a:t>
+              <a:pPr/>
+              <a:t>2026/1/8</a:t>
             </a:fld>
             <a:endParaRPr lang="zh-TW" altLang="en-US"/>
           </a:p>
@@ -5002,7 +5419,14 @@
         <p:spPr/>
         <p:txBody>
           <a:bodyPr/>
-          <a:lstStyle/>
+          <a:lstStyle>
+            <a:lvl1pPr>
+              <a:defRPr>
+                <a:latin typeface="標楷體" panose="03000509000000000000" pitchFamily="65" charset="-120"/>
+                <a:ea typeface="標楷體" panose="03000509000000000000" pitchFamily="65" charset="-120"/>
+              </a:defRPr>
+            </a:lvl1pPr>
+          </a:lstStyle>
           <a:p>
             <a:endParaRPr lang="zh-TW" altLang="en-US"/>
           </a:p>
@@ -5021,10 +5445,18 @@
         <p:spPr/>
         <p:txBody>
           <a:bodyPr/>
-          <a:lstStyle/>
+          <a:lstStyle>
+            <a:lvl1pPr>
+              <a:defRPr>
+                <a:latin typeface="標楷體" panose="03000509000000000000" pitchFamily="65" charset="-120"/>
+                <a:ea typeface="標楷體" panose="03000509000000000000" pitchFamily="65" charset="-120"/>
+              </a:defRPr>
+            </a:lvl1pPr>
+          </a:lstStyle>
           <a:p>
             <a:fld id="{8203DEAB-A335-40D8-B707-26D7553F7104}" type="slidenum">
               <a:rPr lang="zh-TW" altLang="en-US" smtClean="0"/>
+              <a:pPr/>
               <a:t>‹#›</a:t>
             </a:fld>
             <a:endParaRPr lang="zh-TW" altLang="en-US"/>
@@ -5334,7 +5766,7 @@
           <a:p>
             <a:fld id="{3C596FD4-4365-4364-B1CD-6B3B56614197}" type="datetimeFigureOut">
               <a:rPr lang="zh-TW" altLang="en-US" smtClean="0"/>
-              <a:t>2025/12/11</a:t>
+              <a:t>2026/1/8</a:t>
             </a:fld>
             <a:endParaRPr lang="zh-TW" altLang="en-US"/>
           </a:p>
@@ -6023,7 +6455,1011 @@
 </p:sld>
 </file>
 
+<file path=ppt/slides/slide10.xml><?xml version="1.0" encoding="utf-8"?>
+<p:sld xmlns:a="http://schemas.openxmlformats.org/drawingml/2006/main" xmlns:r="http://schemas.openxmlformats.org/officeDocument/2006/relationships" xmlns:p="http://schemas.openxmlformats.org/presentationml/2006/main">
+  <p:cSld>
+    <p:spTree>
+      <p:nvGrpSpPr>
+        <p:cNvPr id="1" name=""/>
+        <p:cNvGrpSpPr/>
+        <p:nvPr/>
+      </p:nvGrpSpPr>
+      <p:grpSpPr>
+        <a:xfrm>
+          <a:off x="0" y="0"/>
+          <a:ext cx="0" cy="0"/>
+          <a:chOff x="0" y="0"/>
+          <a:chExt cx="0" cy="0"/>
+        </a:xfrm>
+      </p:grpSpPr>
+      <p:sp>
+        <p:nvSpPr>
+          <p:cNvPr id="2" name="標題 1"/>
+          <p:cNvSpPr>
+            <a:spLocks noGrp="1"/>
+          </p:cNvSpPr>
+          <p:nvPr>
+            <p:ph type="title"/>
+          </p:nvPr>
+        </p:nvSpPr>
+        <p:spPr/>
+        <p:txBody>
+          <a:bodyPr/>
+          <a:lstStyle/>
+          <a:p>
+            <a:r>
+              <a:rPr lang="zh-TW" altLang="en-US" dirty="0" smtClean="0"/>
+              <a:t>前端設計理念</a:t>
+            </a:r>
+            <a:endParaRPr lang="zh-TW" altLang="en-US" dirty="0"/>
+          </a:p>
+        </p:txBody>
+      </p:sp>
+      <p:sp>
+        <p:nvSpPr>
+          <p:cNvPr id="3" name="矩形 2"/>
+          <p:cNvSpPr/>
+          <p:nvPr/>
+        </p:nvSpPr>
+        <p:spPr>
+          <a:xfrm>
+            <a:off x="1295402" y="2728298"/>
+            <a:ext cx="9601196" cy="2308324"/>
+          </a:xfrm>
+          <a:prstGeom prst="rect">
+            <a:avLst/>
+          </a:prstGeom>
+        </p:spPr>
+        <p:txBody>
+          <a:bodyPr wrap="square">
+            <a:spAutoFit/>
+          </a:bodyPr>
+          <a:lstStyle/>
+          <a:p>
+            <a:r>
+              <a:rPr lang="zh-TW" altLang="en-US" sz="2400" dirty="0">
+                <a:latin typeface="標楷體" panose="03000509000000000000" pitchFamily="65" charset="-120"/>
+                <a:ea typeface="標楷體" panose="03000509000000000000" pitchFamily="65" charset="-120"/>
+              </a:rPr>
+              <a:t>前端採用了響應式網頁</a:t>
+            </a:r>
+            <a:r>
+              <a:rPr lang="zh-TW" altLang="en-US" sz="2400" dirty="0" smtClean="0">
+                <a:latin typeface="標楷體" panose="03000509000000000000" pitchFamily="65" charset="-120"/>
+                <a:ea typeface="標楷體" panose="03000509000000000000" pitchFamily="65" charset="-120"/>
+              </a:rPr>
+              <a:t>設計，</a:t>
+            </a:r>
+            <a:r>
+              <a:rPr lang="zh-TW" altLang="en-US" sz="2400" dirty="0">
+                <a:latin typeface="標楷體" panose="03000509000000000000" pitchFamily="65" charset="-120"/>
+                <a:ea typeface="標楷體" panose="03000509000000000000" pitchFamily="65" charset="-120"/>
+              </a:rPr>
+              <a:t>核心目標是提供「直覺化」的多食材搜尋</a:t>
+            </a:r>
+            <a:r>
+              <a:rPr lang="zh-TW" altLang="en-US" sz="2400" dirty="0" smtClean="0">
+                <a:latin typeface="標楷體" panose="03000509000000000000" pitchFamily="65" charset="-120"/>
+                <a:ea typeface="標楷體" panose="03000509000000000000" pitchFamily="65" charset="-120"/>
+              </a:rPr>
+              <a:t>體驗</a:t>
+            </a:r>
+            <a:endParaRPr lang="en-US" altLang="zh-TW" sz="2400" dirty="0" smtClean="0">
+              <a:latin typeface="標楷體" panose="03000509000000000000" pitchFamily="65" charset="-120"/>
+              <a:ea typeface="標楷體" panose="03000509000000000000" pitchFamily="65" charset="-120"/>
+            </a:endParaRPr>
+          </a:p>
+          <a:p>
+            <a:pPr marL="342900" indent="-342900">
+              <a:buFont typeface="Arial" panose="020B0604020202020204" pitchFamily="34" charset="0"/>
+              <a:buChar char="•"/>
+            </a:pPr>
+            <a:r>
+              <a:rPr lang="zh-TW" altLang="en-US" sz="2400" dirty="0" smtClean="0">
+                <a:latin typeface="標楷體" panose="03000509000000000000" pitchFamily="65" charset="-120"/>
+                <a:ea typeface="標楷體" panose="03000509000000000000" pitchFamily="65" charset="-120"/>
+              </a:rPr>
+              <a:t>視覺</a:t>
+            </a:r>
+            <a:r>
+              <a:rPr lang="zh-TW" altLang="en-US" sz="2400" dirty="0">
+                <a:latin typeface="標楷體" panose="03000509000000000000" pitchFamily="65" charset="-120"/>
+                <a:ea typeface="標楷體" panose="03000509000000000000" pitchFamily="65" charset="-120"/>
+              </a:rPr>
+              <a:t>風格：使用自定義 </a:t>
+            </a:r>
+            <a:r>
+              <a:rPr lang="en-US" altLang="zh-TW" sz="2400" dirty="0">
+                <a:latin typeface="標楷體" panose="03000509000000000000" pitchFamily="65" charset="-120"/>
+                <a:ea typeface="標楷體" panose="03000509000000000000" pitchFamily="65" charset="-120"/>
+              </a:rPr>
+              <a:t>CSS </a:t>
+            </a:r>
+            <a:r>
+              <a:rPr lang="zh-TW" altLang="en-US" sz="2400" dirty="0" smtClean="0">
+                <a:latin typeface="標楷體" panose="03000509000000000000" pitchFamily="65" charset="-120"/>
+                <a:ea typeface="標楷體" panose="03000509000000000000" pitchFamily="65" charset="-120"/>
+              </a:rPr>
+              <a:t>變數營造</a:t>
+            </a:r>
+            <a:r>
+              <a:rPr lang="zh-TW" altLang="en-US" sz="2400" dirty="0">
+                <a:latin typeface="標楷體" panose="03000509000000000000" pitchFamily="65" charset="-120"/>
+                <a:ea typeface="標楷體" panose="03000509000000000000" pitchFamily="65" charset="-120"/>
+              </a:rPr>
+              <a:t>溫暖的烹飪氛圍，並透過條件式</a:t>
+            </a:r>
+            <a:r>
+              <a:rPr lang="zh-TW" altLang="en-US" sz="2400" dirty="0" smtClean="0">
+                <a:latin typeface="標楷體" panose="03000509000000000000" pitchFamily="65" charset="-120"/>
+                <a:ea typeface="標楷體" panose="03000509000000000000" pitchFamily="65" charset="-120"/>
+              </a:rPr>
+              <a:t>渲染為</a:t>
+            </a:r>
+            <a:r>
+              <a:rPr lang="zh-TW" altLang="en-US" sz="2400" dirty="0">
+                <a:latin typeface="標楷體" panose="03000509000000000000" pitchFamily="65" charset="-120"/>
+                <a:ea typeface="標楷體" panose="03000509000000000000" pitchFamily="65" charset="-120"/>
+              </a:rPr>
+              <a:t>「甜點」與「家常菜」標註不同的標籤</a:t>
+            </a:r>
+            <a:r>
+              <a:rPr lang="zh-TW" altLang="en-US" sz="2400" dirty="0" smtClean="0">
+                <a:latin typeface="標楷體" panose="03000509000000000000" pitchFamily="65" charset="-120"/>
+                <a:ea typeface="標楷體" panose="03000509000000000000" pitchFamily="65" charset="-120"/>
+              </a:rPr>
+              <a:t>顏色</a:t>
+            </a:r>
+            <a:endParaRPr lang="en-US" altLang="zh-TW" sz="2400" dirty="0" smtClean="0">
+              <a:latin typeface="標楷體" panose="03000509000000000000" pitchFamily="65" charset="-120"/>
+              <a:ea typeface="標楷體" panose="03000509000000000000" pitchFamily="65" charset="-120"/>
+            </a:endParaRPr>
+          </a:p>
+          <a:p>
+            <a:pPr marL="342900" indent="-342900">
+              <a:buFont typeface="Arial" panose="020B0604020202020204" pitchFamily="34" charset="0"/>
+              <a:buChar char="•"/>
+            </a:pPr>
+            <a:r>
+              <a:rPr lang="zh-TW" altLang="en-US" sz="2400" dirty="0" smtClean="0">
+                <a:latin typeface="標楷體" panose="03000509000000000000" pitchFamily="65" charset="-120"/>
+                <a:ea typeface="標楷體" panose="03000509000000000000" pitchFamily="65" charset="-120"/>
+              </a:rPr>
+              <a:t>使用者體驗：實</a:t>
+            </a:r>
+            <a:r>
+              <a:rPr lang="zh-TW" altLang="en-US" sz="2400" dirty="0">
+                <a:latin typeface="標楷體" panose="03000509000000000000" pitchFamily="65" charset="-120"/>
+                <a:ea typeface="標楷體" panose="03000509000000000000" pitchFamily="65" charset="-120"/>
+              </a:rPr>
+              <a:t>作了動態欄位控制與模式切換，讓複雜的搜尋邏輯變得簡單易</a:t>
+            </a:r>
+            <a:r>
+              <a:rPr lang="zh-TW" altLang="en-US" sz="2400" dirty="0" smtClean="0">
+                <a:latin typeface="標楷體" panose="03000509000000000000" pitchFamily="65" charset="-120"/>
+                <a:ea typeface="標楷體" panose="03000509000000000000" pitchFamily="65" charset="-120"/>
+              </a:rPr>
+              <a:t>用</a:t>
+            </a:r>
+            <a:endParaRPr lang="zh-TW" altLang="en-US" sz="2400" dirty="0">
+              <a:latin typeface="標楷體" panose="03000509000000000000" pitchFamily="65" charset="-120"/>
+              <a:ea typeface="標楷體" panose="03000509000000000000" pitchFamily="65" charset="-120"/>
+            </a:endParaRPr>
+          </a:p>
+        </p:txBody>
+      </p:sp>
+    </p:spTree>
+    <p:extLst>
+      <p:ext uri="{BB962C8B-B14F-4D97-AF65-F5344CB8AC3E}">
+        <p14:creationId xmlns:p14="http://schemas.microsoft.com/office/powerpoint/2010/main" val="3029893258"/>
+      </p:ext>
+    </p:extLst>
+  </p:cSld>
+  <p:clrMapOvr>
+    <a:masterClrMapping/>
+  </p:clrMapOvr>
+</p:sld>
+</file>
+
+<file path=ppt/slides/slide11.xml><?xml version="1.0" encoding="utf-8"?>
+<p:sld xmlns:a="http://schemas.openxmlformats.org/drawingml/2006/main" xmlns:r="http://schemas.openxmlformats.org/officeDocument/2006/relationships" xmlns:p="http://schemas.openxmlformats.org/presentationml/2006/main">
+  <p:cSld>
+    <p:spTree>
+      <p:nvGrpSpPr>
+        <p:cNvPr id="1" name=""/>
+        <p:cNvGrpSpPr/>
+        <p:nvPr/>
+      </p:nvGrpSpPr>
+      <p:grpSpPr>
+        <a:xfrm>
+          <a:off x="0" y="0"/>
+          <a:ext cx="0" cy="0"/>
+          <a:chOff x="0" y="0"/>
+          <a:chExt cx="0" cy="0"/>
+        </a:xfrm>
+      </p:grpSpPr>
+      <p:sp>
+        <p:nvSpPr>
+          <p:cNvPr id="2" name="標題 1"/>
+          <p:cNvSpPr>
+            <a:spLocks noGrp="1"/>
+          </p:cNvSpPr>
+          <p:nvPr>
+            <p:ph type="title"/>
+          </p:nvPr>
+        </p:nvSpPr>
+        <p:spPr/>
+        <p:txBody>
+          <a:bodyPr/>
+          <a:lstStyle/>
+          <a:p>
+            <a:r>
+              <a:rPr lang="zh-TW" altLang="en-US" dirty="0" smtClean="0"/>
+              <a:t>動態多食材輸入系統</a:t>
+            </a:r>
+            <a:endParaRPr lang="zh-TW" altLang="en-US" dirty="0"/>
+          </a:p>
+        </p:txBody>
+      </p:sp>
+      <p:sp>
+        <p:nvSpPr>
+          <p:cNvPr id="3" name="矩形 2"/>
+          <p:cNvSpPr/>
+          <p:nvPr/>
+        </p:nvSpPr>
+        <p:spPr>
+          <a:xfrm>
+            <a:off x="1295402" y="2690336"/>
+            <a:ext cx="9601196" cy="1569660"/>
+          </a:xfrm>
+          <a:prstGeom prst="rect">
+            <a:avLst/>
+          </a:prstGeom>
+        </p:spPr>
+        <p:txBody>
+          <a:bodyPr wrap="square">
+            <a:spAutoFit/>
+          </a:bodyPr>
+          <a:lstStyle/>
+          <a:p>
+            <a:pPr marL="342900" indent="-342900">
+              <a:buFont typeface="Arial" panose="020B0604020202020204" pitchFamily="34" charset="0"/>
+              <a:buChar char="•"/>
+            </a:pPr>
+            <a:r>
+              <a:rPr lang="zh-TW" altLang="en-US" sz="2400" dirty="0">
+                <a:latin typeface="標楷體" panose="03000509000000000000" pitchFamily="65" charset="-120"/>
+                <a:ea typeface="標楷體" panose="03000509000000000000" pitchFamily="65" charset="-120"/>
+              </a:rPr>
+              <a:t>動態增減：透過 </a:t>
+            </a:r>
+            <a:r>
+              <a:rPr lang="en-US" altLang="zh-TW" sz="2400" dirty="0" err="1">
+                <a:latin typeface="標楷體" panose="03000509000000000000" pitchFamily="65" charset="-120"/>
+                <a:ea typeface="標楷體" panose="03000509000000000000" pitchFamily="65" charset="-120"/>
+              </a:rPr>
+              <a:t>addIngredient</a:t>
+            </a:r>
+            <a:r>
+              <a:rPr lang="en-US" altLang="zh-TW" sz="2400" dirty="0">
+                <a:latin typeface="標楷體" panose="03000509000000000000" pitchFamily="65" charset="-120"/>
+                <a:ea typeface="標楷體" panose="03000509000000000000" pitchFamily="65" charset="-120"/>
+              </a:rPr>
+              <a:t>() </a:t>
+            </a:r>
+            <a:r>
+              <a:rPr lang="zh-TW" altLang="en-US" sz="2400" dirty="0">
+                <a:latin typeface="標楷體" panose="03000509000000000000" pitchFamily="65" charset="-120"/>
+                <a:ea typeface="標楷體" panose="03000509000000000000" pitchFamily="65" charset="-120"/>
+              </a:rPr>
+              <a:t>與 </a:t>
+            </a:r>
+            <a:r>
+              <a:rPr lang="en-US" altLang="zh-TW" sz="2400" dirty="0" err="1">
+                <a:latin typeface="標楷體" panose="03000509000000000000" pitchFamily="65" charset="-120"/>
+                <a:ea typeface="標楷體" panose="03000509000000000000" pitchFamily="65" charset="-120"/>
+              </a:rPr>
+              <a:t>removeIngredient</a:t>
+            </a:r>
+            <a:r>
+              <a:rPr lang="en-US" altLang="zh-TW" sz="2400" dirty="0">
+                <a:latin typeface="標楷體" panose="03000509000000000000" pitchFamily="65" charset="-120"/>
+                <a:ea typeface="標楷體" panose="03000509000000000000" pitchFamily="65" charset="-120"/>
+              </a:rPr>
+              <a:t>() </a:t>
+            </a:r>
+            <a:r>
+              <a:rPr lang="zh-TW" altLang="en-US" sz="2400" dirty="0">
+                <a:latin typeface="標楷體" panose="03000509000000000000" pitchFamily="65" charset="-120"/>
+                <a:ea typeface="標楷體" panose="03000509000000000000" pitchFamily="65" charset="-120"/>
+              </a:rPr>
+              <a:t>函式操控 </a:t>
+            </a:r>
+            <a:r>
+              <a:rPr lang="en-US" altLang="zh-TW" sz="2400" dirty="0">
+                <a:latin typeface="標楷體" panose="03000509000000000000" pitchFamily="65" charset="-120"/>
+                <a:ea typeface="標楷體" panose="03000509000000000000" pitchFamily="65" charset="-120"/>
+              </a:rPr>
+              <a:t>DOM</a:t>
+            </a:r>
+            <a:r>
+              <a:rPr lang="zh-TW" altLang="en-US" sz="2400" dirty="0">
+                <a:latin typeface="標楷體" panose="03000509000000000000" pitchFamily="65" charset="-120"/>
+                <a:ea typeface="標楷體" panose="03000509000000000000" pitchFamily="65" charset="-120"/>
+              </a:rPr>
+              <a:t>，並將上限限制為 </a:t>
+            </a:r>
+            <a:r>
+              <a:rPr lang="en-US" altLang="zh-TW" sz="2400" dirty="0">
+                <a:latin typeface="標楷體" panose="03000509000000000000" pitchFamily="65" charset="-120"/>
+                <a:ea typeface="標楷體" panose="03000509000000000000" pitchFamily="65" charset="-120"/>
+              </a:rPr>
+              <a:t>5 </a:t>
+            </a:r>
+            <a:r>
+              <a:rPr lang="zh-TW" altLang="en-US" sz="2400" dirty="0">
+                <a:latin typeface="標楷體" panose="03000509000000000000" pitchFamily="65" charset="-120"/>
+                <a:ea typeface="標楷體" panose="03000509000000000000" pitchFamily="65" charset="-120"/>
+              </a:rPr>
+              <a:t>個欄位以優化行動端</a:t>
+            </a:r>
+            <a:r>
+              <a:rPr lang="zh-TW" altLang="en-US" sz="2400" dirty="0" smtClean="0">
+                <a:latin typeface="標楷體" panose="03000509000000000000" pitchFamily="65" charset="-120"/>
+                <a:ea typeface="標楷體" panose="03000509000000000000" pitchFamily="65" charset="-120"/>
+              </a:rPr>
+              <a:t>體驗</a:t>
+            </a:r>
+            <a:endParaRPr lang="en-US" altLang="zh-TW" sz="2400" dirty="0" smtClean="0">
+              <a:latin typeface="標楷體" panose="03000509000000000000" pitchFamily="65" charset="-120"/>
+              <a:ea typeface="標楷體" panose="03000509000000000000" pitchFamily="65" charset="-120"/>
+            </a:endParaRPr>
+          </a:p>
+          <a:p>
+            <a:pPr marL="342900" indent="-342900">
+              <a:buFont typeface="Arial" panose="020B0604020202020204" pitchFamily="34" charset="0"/>
+              <a:buChar char="•"/>
+            </a:pPr>
+            <a:r>
+              <a:rPr lang="zh-TW" altLang="en-US" sz="2400" dirty="0" smtClean="0">
+                <a:latin typeface="標楷體" panose="03000509000000000000" pitchFamily="65" charset="-120"/>
+                <a:ea typeface="標楷體" panose="03000509000000000000" pitchFamily="65" charset="-120"/>
+              </a:rPr>
+              <a:t>狀態</a:t>
+            </a:r>
+            <a:r>
+              <a:rPr lang="zh-TW" altLang="en-US" sz="2400" dirty="0">
+                <a:latin typeface="標楷體" panose="03000509000000000000" pitchFamily="65" charset="-120"/>
+                <a:ea typeface="標楷體" panose="03000509000000000000" pitchFamily="65" charset="-120"/>
+              </a:rPr>
+              <a:t>控制：</a:t>
+            </a:r>
+            <a:r>
+              <a:rPr lang="en-US" altLang="zh-TW" sz="2400" dirty="0" err="1">
+                <a:latin typeface="標楷體" panose="03000509000000000000" pitchFamily="65" charset="-120"/>
+                <a:ea typeface="標楷體" panose="03000509000000000000" pitchFamily="65" charset="-120"/>
+              </a:rPr>
+              <a:t>checkInputLimit</a:t>
+            </a:r>
+            <a:r>
+              <a:rPr lang="en-US" altLang="zh-TW" sz="2400" dirty="0">
+                <a:latin typeface="標楷體" panose="03000509000000000000" pitchFamily="65" charset="-120"/>
+                <a:ea typeface="標楷體" panose="03000509000000000000" pitchFamily="65" charset="-120"/>
+              </a:rPr>
+              <a:t>() </a:t>
+            </a:r>
+            <a:r>
+              <a:rPr lang="zh-TW" altLang="en-US" sz="2400" dirty="0">
+                <a:latin typeface="標楷體" panose="03000509000000000000" pitchFamily="65" charset="-120"/>
+                <a:ea typeface="標楷體" panose="03000509000000000000" pitchFamily="65" charset="-120"/>
+              </a:rPr>
+              <a:t>函式會自動偵測欄位數量，當達到上限或下限時，自動將按鈕變更為禁用</a:t>
+            </a:r>
+            <a:r>
+              <a:rPr lang="zh-TW" altLang="en-US" sz="2400" dirty="0" smtClean="0">
+                <a:latin typeface="標楷體" panose="03000509000000000000" pitchFamily="65" charset="-120"/>
+                <a:ea typeface="標楷體" panose="03000509000000000000" pitchFamily="65" charset="-120"/>
+              </a:rPr>
+              <a:t>狀態並</a:t>
+            </a:r>
+            <a:r>
+              <a:rPr lang="zh-TW" altLang="en-US" sz="2400" dirty="0">
+                <a:latin typeface="標楷體" panose="03000509000000000000" pitchFamily="65" charset="-120"/>
+                <a:ea typeface="標楷體" panose="03000509000000000000" pitchFamily="65" charset="-120"/>
+              </a:rPr>
+              <a:t>更換顏色</a:t>
+            </a:r>
+            <a:r>
+              <a:rPr lang="zh-TW" altLang="en-US" sz="2400" dirty="0" smtClean="0">
+                <a:latin typeface="標楷體" panose="03000509000000000000" pitchFamily="65" charset="-120"/>
+                <a:ea typeface="標楷體" panose="03000509000000000000" pitchFamily="65" charset="-120"/>
+              </a:rPr>
+              <a:t>提示</a:t>
+            </a:r>
+            <a:endParaRPr lang="zh-TW" altLang="en-US" sz="2400" dirty="0">
+              <a:latin typeface="標楷體" panose="03000509000000000000" pitchFamily="65" charset="-120"/>
+              <a:ea typeface="標楷體" panose="03000509000000000000" pitchFamily="65" charset="-120"/>
+            </a:endParaRPr>
+          </a:p>
+        </p:txBody>
+      </p:sp>
+    </p:spTree>
+    <p:extLst>
+      <p:ext uri="{BB962C8B-B14F-4D97-AF65-F5344CB8AC3E}">
+        <p14:creationId xmlns:p14="http://schemas.microsoft.com/office/powerpoint/2010/main" val="2478342614"/>
+      </p:ext>
+    </p:extLst>
+  </p:cSld>
+  <p:clrMapOvr>
+    <a:masterClrMapping/>
+  </p:clrMapOvr>
+</p:sld>
+</file>
+
+<file path=ppt/slides/slide12.xml><?xml version="1.0" encoding="utf-8"?>
+<p:sld xmlns:a="http://schemas.openxmlformats.org/drawingml/2006/main" xmlns:r="http://schemas.openxmlformats.org/officeDocument/2006/relationships" xmlns:p="http://schemas.openxmlformats.org/presentationml/2006/main">
+  <p:cSld>
+    <p:spTree>
+      <p:nvGrpSpPr>
+        <p:cNvPr id="1" name=""/>
+        <p:cNvGrpSpPr/>
+        <p:nvPr/>
+      </p:nvGrpSpPr>
+      <p:grpSpPr>
+        <a:xfrm>
+          <a:off x="0" y="0"/>
+          <a:ext cx="0" cy="0"/>
+          <a:chOff x="0" y="0"/>
+          <a:chExt cx="0" cy="0"/>
+        </a:xfrm>
+      </p:grpSpPr>
+      <p:sp>
+        <p:nvSpPr>
+          <p:cNvPr id="2" name="標題 1"/>
+          <p:cNvSpPr>
+            <a:spLocks noGrp="1"/>
+          </p:cNvSpPr>
+          <p:nvPr>
+            <p:ph type="title"/>
+          </p:nvPr>
+        </p:nvSpPr>
+        <p:spPr/>
+        <p:txBody>
+          <a:bodyPr/>
+          <a:lstStyle/>
+          <a:p>
+            <a:r>
+              <a:rPr lang="zh-TW" altLang="en-US" dirty="0" smtClean="0"/>
+              <a:t>搜尋模型切換</a:t>
+            </a:r>
+            <a:endParaRPr lang="zh-TW" altLang="en-US" dirty="0"/>
+          </a:p>
+        </p:txBody>
+      </p:sp>
+      <p:sp>
+        <p:nvSpPr>
+          <p:cNvPr id="3" name="矩形 2"/>
+          <p:cNvSpPr/>
+          <p:nvPr/>
+        </p:nvSpPr>
+        <p:spPr>
+          <a:xfrm>
+            <a:off x="1295402" y="2690336"/>
+            <a:ext cx="9601196" cy="2308324"/>
+          </a:xfrm>
+          <a:prstGeom prst="rect">
+            <a:avLst/>
+          </a:prstGeom>
+        </p:spPr>
+        <p:txBody>
+          <a:bodyPr wrap="square">
+            <a:spAutoFit/>
+          </a:bodyPr>
+          <a:lstStyle/>
+          <a:p>
+            <a:r>
+              <a:rPr lang="zh-TW" altLang="en-US" sz="2400" dirty="0">
+                <a:latin typeface="標楷體" panose="03000509000000000000" pitchFamily="65" charset="-120"/>
+                <a:ea typeface="標楷體" panose="03000509000000000000" pitchFamily="65" charset="-120"/>
+              </a:rPr>
+              <a:t>系統支援四種不同的互動模式，前端透過 </a:t>
+            </a:r>
+            <a:r>
+              <a:rPr lang="en-US" altLang="zh-TW" sz="2400" dirty="0" err="1">
+                <a:latin typeface="標楷體" panose="03000509000000000000" pitchFamily="65" charset="-120"/>
+                <a:ea typeface="標楷體" panose="03000509000000000000" pitchFamily="65" charset="-120"/>
+              </a:rPr>
+              <a:t>toggleInputMode</a:t>
+            </a:r>
+            <a:r>
+              <a:rPr lang="en-US" altLang="zh-TW" sz="2400" dirty="0">
+                <a:latin typeface="標楷體" panose="03000509000000000000" pitchFamily="65" charset="-120"/>
+                <a:ea typeface="標楷體" panose="03000509000000000000" pitchFamily="65" charset="-120"/>
+              </a:rPr>
+              <a:t>() </a:t>
+            </a:r>
+            <a:r>
+              <a:rPr lang="zh-TW" altLang="en-US" sz="2400" dirty="0">
+                <a:latin typeface="標楷體" panose="03000509000000000000" pitchFamily="65" charset="-120"/>
+                <a:ea typeface="標楷體" panose="03000509000000000000" pitchFamily="65" charset="-120"/>
+              </a:rPr>
+              <a:t>實作介面的自動轉換</a:t>
+            </a:r>
+            <a:r>
+              <a:rPr lang="zh-TW" altLang="en-US" sz="2400" dirty="0" smtClean="0">
+                <a:latin typeface="標楷體" panose="03000509000000000000" pitchFamily="65" charset="-120"/>
+                <a:ea typeface="標楷體" panose="03000509000000000000" pitchFamily="65" charset="-120"/>
+              </a:rPr>
+              <a:t>：</a:t>
+            </a:r>
+            <a:endParaRPr lang="en-US" altLang="zh-TW" sz="2400" dirty="0" smtClean="0">
+              <a:latin typeface="標楷體" panose="03000509000000000000" pitchFamily="65" charset="-120"/>
+              <a:ea typeface="標楷體" panose="03000509000000000000" pitchFamily="65" charset="-120"/>
+            </a:endParaRPr>
+          </a:p>
+          <a:p>
+            <a:pPr marL="342900" indent="-342900">
+              <a:buFont typeface="Arial" panose="020B0604020202020204" pitchFamily="34" charset="0"/>
+              <a:buChar char="•"/>
+            </a:pPr>
+            <a:r>
+              <a:rPr lang="zh-TW" altLang="en-US" sz="2400" dirty="0" smtClean="0">
+                <a:latin typeface="標楷體" panose="03000509000000000000" pitchFamily="65" charset="-120"/>
+                <a:ea typeface="標楷體" panose="03000509000000000000" pitchFamily="65" charset="-120"/>
+              </a:rPr>
+              <a:t>食</a:t>
+            </a:r>
+            <a:r>
+              <a:rPr lang="zh-TW" altLang="en-US" sz="2400" dirty="0">
+                <a:latin typeface="標楷體" panose="03000509000000000000" pitchFamily="65" charset="-120"/>
+                <a:ea typeface="標楷體" panose="03000509000000000000" pitchFamily="65" charset="-120"/>
+              </a:rPr>
+              <a:t>材搜尋模式：顯示「新增食材」按鈕與多個輸入</a:t>
+            </a:r>
+            <a:r>
+              <a:rPr lang="zh-TW" altLang="en-US" sz="2400" dirty="0" smtClean="0">
+                <a:latin typeface="標楷體" panose="03000509000000000000" pitchFamily="65" charset="-120"/>
+                <a:ea typeface="標楷體" panose="03000509000000000000" pitchFamily="65" charset="-120"/>
+              </a:rPr>
+              <a:t>框</a:t>
+            </a:r>
+            <a:endParaRPr lang="en-US" altLang="zh-TW" sz="2400" dirty="0" smtClean="0">
+              <a:latin typeface="標楷體" panose="03000509000000000000" pitchFamily="65" charset="-120"/>
+              <a:ea typeface="標楷體" panose="03000509000000000000" pitchFamily="65" charset="-120"/>
+            </a:endParaRPr>
+          </a:p>
+          <a:p>
+            <a:pPr marL="342900" indent="-342900">
+              <a:buFont typeface="Arial" panose="020B0604020202020204" pitchFamily="34" charset="0"/>
+              <a:buChar char="•"/>
+            </a:pPr>
+            <a:r>
+              <a:rPr lang="zh-TW" altLang="en-US" sz="2400" dirty="0" smtClean="0">
+                <a:latin typeface="標楷體" panose="03000509000000000000" pitchFamily="65" charset="-120"/>
+                <a:ea typeface="標楷體" panose="03000509000000000000" pitchFamily="65" charset="-120"/>
+              </a:rPr>
+              <a:t>食譜</a:t>
+            </a:r>
+            <a:r>
+              <a:rPr lang="zh-TW" altLang="en-US" sz="2400" dirty="0">
+                <a:latin typeface="標楷體" panose="03000509000000000000" pitchFamily="65" charset="-120"/>
+                <a:ea typeface="標楷體" panose="03000509000000000000" pitchFamily="65" charset="-120"/>
+              </a:rPr>
+              <a:t>名稱模式：隱藏增減按鈕，並將 </a:t>
+            </a:r>
+            <a:r>
+              <a:rPr lang="en-US" altLang="zh-TW" sz="2400" dirty="0">
+                <a:latin typeface="標楷體" panose="03000509000000000000" pitchFamily="65" charset="-120"/>
+                <a:ea typeface="標楷體" panose="03000509000000000000" pitchFamily="65" charset="-120"/>
+              </a:rPr>
+              <a:t>placeholder </a:t>
+            </a:r>
+            <a:r>
+              <a:rPr lang="zh-TW" altLang="en-US" sz="2400" dirty="0">
+                <a:latin typeface="標楷體" panose="03000509000000000000" pitchFamily="65" charset="-120"/>
+                <a:ea typeface="標楷體" panose="03000509000000000000" pitchFamily="65" charset="-120"/>
+              </a:rPr>
+              <a:t>更改為「輸入食譜名稱</a:t>
+            </a:r>
+            <a:r>
+              <a:rPr lang="zh-TW" altLang="en-US" sz="2400" dirty="0" smtClean="0">
+                <a:latin typeface="標楷體" panose="03000509000000000000" pitchFamily="65" charset="-120"/>
+                <a:ea typeface="標楷體" panose="03000509000000000000" pitchFamily="65" charset="-120"/>
+              </a:rPr>
+              <a:t>」</a:t>
+            </a:r>
+            <a:endParaRPr lang="en-US" altLang="zh-TW" sz="2400" dirty="0" smtClean="0">
+              <a:latin typeface="標楷體" panose="03000509000000000000" pitchFamily="65" charset="-120"/>
+              <a:ea typeface="標楷體" panose="03000509000000000000" pitchFamily="65" charset="-120"/>
+            </a:endParaRPr>
+          </a:p>
+          <a:p>
+            <a:pPr marL="342900" indent="-342900">
+              <a:buFont typeface="Arial" panose="020B0604020202020204" pitchFamily="34" charset="0"/>
+              <a:buChar char="•"/>
+            </a:pPr>
+            <a:r>
+              <a:rPr lang="zh-TW" altLang="en-US" sz="2400" dirty="0" smtClean="0">
+                <a:latin typeface="標楷體" panose="03000509000000000000" pitchFamily="65" charset="-120"/>
+                <a:ea typeface="標楷體" panose="03000509000000000000" pitchFamily="65" charset="-120"/>
+              </a:rPr>
+              <a:t>收藏</a:t>
+            </a:r>
+            <a:r>
+              <a:rPr lang="zh-TW" altLang="en-US" sz="2400" dirty="0">
+                <a:latin typeface="標楷體" panose="03000509000000000000" pitchFamily="65" charset="-120"/>
+                <a:ea typeface="標楷體" panose="03000509000000000000" pitchFamily="65" charset="-120"/>
+              </a:rPr>
+              <a:t>模式：直接呼叫收藏 </a:t>
+            </a:r>
+            <a:r>
+              <a:rPr lang="en-US" altLang="zh-TW" sz="2400" dirty="0">
+                <a:latin typeface="標楷體" panose="03000509000000000000" pitchFamily="65" charset="-120"/>
+                <a:ea typeface="標楷體" panose="03000509000000000000" pitchFamily="65" charset="-120"/>
+              </a:rPr>
+              <a:t>API </a:t>
+            </a:r>
+            <a:r>
+              <a:rPr lang="zh-TW" altLang="en-US" sz="2400" dirty="0">
+                <a:latin typeface="標楷體" panose="03000509000000000000" pitchFamily="65" charset="-120"/>
+                <a:ea typeface="標楷體" panose="03000509000000000000" pitchFamily="65" charset="-120"/>
+              </a:rPr>
+              <a:t>並呈現</a:t>
+            </a:r>
+            <a:r>
+              <a:rPr lang="zh-TW" altLang="en-US" sz="2400" dirty="0" smtClean="0">
+                <a:latin typeface="標楷體" panose="03000509000000000000" pitchFamily="65" charset="-120"/>
+                <a:ea typeface="標楷體" panose="03000509000000000000" pitchFamily="65" charset="-120"/>
+              </a:rPr>
+              <a:t>結果</a:t>
+            </a:r>
+            <a:endParaRPr lang="zh-TW" altLang="en-US" sz="2400" dirty="0">
+              <a:latin typeface="標楷體" panose="03000509000000000000" pitchFamily="65" charset="-120"/>
+              <a:ea typeface="標楷體" panose="03000509000000000000" pitchFamily="65" charset="-120"/>
+            </a:endParaRPr>
+          </a:p>
+        </p:txBody>
+      </p:sp>
+    </p:spTree>
+    <p:extLst>
+      <p:ext uri="{BB962C8B-B14F-4D97-AF65-F5344CB8AC3E}">
+        <p14:creationId xmlns:p14="http://schemas.microsoft.com/office/powerpoint/2010/main" val="2818985443"/>
+      </p:ext>
+    </p:extLst>
+  </p:cSld>
+  <p:clrMapOvr>
+    <a:masterClrMapping/>
+  </p:clrMapOvr>
+</p:sld>
+</file>
+
+<file path=ppt/slides/slide13.xml><?xml version="1.0" encoding="utf-8"?>
+<p:sld xmlns:a="http://schemas.openxmlformats.org/drawingml/2006/main" xmlns:r="http://schemas.openxmlformats.org/officeDocument/2006/relationships" xmlns:p="http://schemas.openxmlformats.org/presentationml/2006/main">
+  <p:cSld>
+    <p:spTree>
+      <p:nvGrpSpPr>
+        <p:cNvPr id="1" name=""/>
+        <p:cNvGrpSpPr/>
+        <p:nvPr/>
+      </p:nvGrpSpPr>
+      <p:grpSpPr>
+        <a:xfrm>
+          <a:off x="0" y="0"/>
+          <a:ext cx="0" cy="0"/>
+          <a:chOff x="0" y="0"/>
+          <a:chExt cx="0" cy="0"/>
+        </a:xfrm>
+      </p:grpSpPr>
+      <p:sp>
+        <p:nvSpPr>
+          <p:cNvPr id="2" name="標題 1"/>
+          <p:cNvSpPr>
+            <a:spLocks noGrp="1"/>
+          </p:cNvSpPr>
+          <p:nvPr>
+            <p:ph type="title"/>
+          </p:nvPr>
+        </p:nvSpPr>
+        <p:spPr/>
+        <p:txBody>
+          <a:bodyPr/>
+          <a:lstStyle/>
+          <a:p>
+            <a:r>
+              <a:rPr lang="zh-TW" altLang="en-US" dirty="0" smtClean="0">
+                <a:latin typeface="標楷體" panose="03000509000000000000" pitchFamily="65" charset="-120"/>
+                <a:ea typeface="標楷體" panose="03000509000000000000" pitchFamily="65" charset="-120"/>
+              </a:rPr>
+              <a:t>可能</a:t>
+            </a:r>
+            <a:r>
+              <a:rPr lang="zh-TW" altLang="en-US" dirty="0">
+                <a:latin typeface="標楷體" panose="03000509000000000000" pitchFamily="65" charset="-120"/>
+                <a:ea typeface="標楷體" panose="03000509000000000000" pitchFamily="65" charset="-120"/>
+              </a:rPr>
+              <a:t>新增功能</a:t>
+            </a:r>
+          </a:p>
+        </p:txBody>
+      </p:sp>
+      <p:sp>
+        <p:nvSpPr>
+          <p:cNvPr id="3" name="文字方塊 2"/>
+          <p:cNvSpPr txBox="1"/>
+          <p:nvPr/>
+        </p:nvSpPr>
+        <p:spPr>
+          <a:xfrm>
+            <a:off x="1295402" y="2418080"/>
+            <a:ext cx="10195558" cy="830997"/>
+          </a:xfrm>
+          <a:prstGeom prst="rect">
+            <a:avLst/>
+          </a:prstGeom>
+          <a:noFill/>
+        </p:spPr>
+        <p:txBody>
+          <a:bodyPr vert="horz" wrap="square" rtlCol="0">
+            <a:spAutoFit/>
+          </a:bodyPr>
+          <a:lstStyle/>
+          <a:p>
+            <a:r>
+              <a:rPr lang="en-US" altLang="zh-TW" sz="2400" dirty="0" smtClean="0">
+                <a:latin typeface="標楷體" panose="03000509000000000000" pitchFamily="65" charset="-120"/>
+                <a:ea typeface="標楷體" panose="03000509000000000000" pitchFamily="65" charset="-120"/>
+              </a:rPr>
+              <a:t>1. </a:t>
+            </a:r>
+            <a:r>
+              <a:rPr lang="zh-TW" altLang="en-US" sz="2400" dirty="0" smtClean="0">
+                <a:latin typeface="標楷體" panose="03000509000000000000" pitchFamily="65" charset="-120"/>
+                <a:ea typeface="標楷體" panose="03000509000000000000" pitchFamily="65" charset="-120"/>
+              </a:rPr>
+              <a:t>資料庫整合</a:t>
+            </a:r>
+          </a:p>
+          <a:p>
+            <a:r>
+              <a:rPr lang="zh-TW" altLang="en-US" sz="2400" dirty="0" smtClean="0">
+                <a:latin typeface="標楷體" panose="03000509000000000000" pitchFamily="65" charset="-120"/>
+                <a:ea typeface="標楷體" panose="03000509000000000000" pitchFamily="65" charset="-120"/>
+              </a:rPr>
+              <a:t>   </a:t>
+            </a:r>
+            <a:r>
+              <a:rPr lang="en-US" altLang="zh-TW" sz="2400" dirty="0" smtClean="0">
+                <a:latin typeface="標楷體" panose="03000509000000000000" pitchFamily="65" charset="-120"/>
+                <a:ea typeface="標楷體" panose="03000509000000000000" pitchFamily="65" charset="-120"/>
+              </a:rPr>
+              <a:t>- </a:t>
+            </a:r>
+            <a:r>
+              <a:rPr lang="zh-TW" altLang="en-US" sz="2400" dirty="0" smtClean="0">
+                <a:latin typeface="標楷體" panose="03000509000000000000" pitchFamily="65" charset="-120"/>
+                <a:ea typeface="標楷體" panose="03000509000000000000" pitchFamily="65" charset="-120"/>
+              </a:rPr>
+              <a:t>將 </a:t>
+            </a:r>
+            <a:r>
+              <a:rPr lang="en-US" altLang="zh-TW" sz="2400" dirty="0" smtClean="0">
+                <a:latin typeface="標楷體" panose="03000509000000000000" pitchFamily="65" charset="-120"/>
+                <a:ea typeface="標楷體" panose="03000509000000000000" pitchFamily="65" charset="-120"/>
+              </a:rPr>
+              <a:t>Mock DB </a:t>
+            </a:r>
+            <a:r>
+              <a:rPr lang="zh-TW" altLang="en-US" sz="2400" dirty="0" smtClean="0">
+                <a:latin typeface="標楷體" panose="03000509000000000000" pitchFamily="65" charset="-120"/>
+                <a:ea typeface="標楷體" panose="03000509000000000000" pitchFamily="65" charset="-120"/>
+              </a:rPr>
+              <a:t>替換為 </a:t>
+            </a:r>
+            <a:r>
+              <a:rPr lang="en-US" altLang="zh-TW" sz="2400" dirty="0" smtClean="0">
+                <a:latin typeface="標楷體" panose="03000509000000000000" pitchFamily="65" charset="-120"/>
+                <a:ea typeface="標楷體" panose="03000509000000000000" pitchFamily="65" charset="-120"/>
+              </a:rPr>
+              <a:t>PostgreSQL </a:t>
+            </a:r>
+            <a:r>
+              <a:rPr lang="zh-TW" altLang="en-US" sz="2400" dirty="0" smtClean="0">
+                <a:latin typeface="標楷體" panose="03000509000000000000" pitchFamily="65" charset="-120"/>
+                <a:ea typeface="標楷體" panose="03000509000000000000" pitchFamily="65" charset="-120"/>
+              </a:rPr>
+              <a:t>或 </a:t>
+            </a:r>
+            <a:r>
+              <a:rPr lang="en-US" altLang="zh-TW" sz="2400" dirty="0" smtClean="0">
+                <a:latin typeface="標楷體" panose="03000509000000000000" pitchFamily="65" charset="-120"/>
+                <a:ea typeface="標楷體" panose="03000509000000000000" pitchFamily="65" charset="-120"/>
+              </a:rPr>
+              <a:t>MongoDB</a:t>
+            </a:r>
+            <a:r>
+              <a:rPr lang="zh-TW" altLang="en-US" sz="2400" dirty="0" smtClean="0">
+                <a:latin typeface="標楷體" panose="03000509000000000000" pitchFamily="65" charset="-120"/>
+                <a:ea typeface="標楷體" panose="03000509000000000000" pitchFamily="65" charset="-120"/>
+              </a:rPr>
+              <a:t>，支援大量數據</a:t>
+            </a:r>
+            <a:r>
+              <a:rPr lang="zh-TW" altLang="en-US" sz="2400" dirty="0" smtClean="0">
+                <a:latin typeface="標楷體" panose="03000509000000000000" pitchFamily="65" charset="-120"/>
+                <a:ea typeface="標楷體" panose="03000509000000000000" pitchFamily="65" charset="-120"/>
+              </a:rPr>
+              <a:t>。</a:t>
+            </a:r>
+            <a:endParaRPr lang="zh-TW" altLang="en-US" sz="2400" dirty="0" smtClean="0">
+              <a:latin typeface="標楷體" panose="03000509000000000000" pitchFamily="65" charset="-120"/>
+              <a:ea typeface="標楷體" panose="03000509000000000000" pitchFamily="65" charset="-120"/>
+            </a:endParaRPr>
+          </a:p>
+        </p:txBody>
+      </p:sp>
+    </p:spTree>
+    <p:extLst>
+      <p:ext uri="{BB962C8B-B14F-4D97-AF65-F5344CB8AC3E}">
+        <p14:creationId xmlns:p14="http://schemas.microsoft.com/office/powerpoint/2010/main" val="873254316"/>
+      </p:ext>
+    </p:extLst>
+  </p:cSld>
+  <p:clrMapOvr>
+    <a:masterClrMapping/>
+  </p:clrMapOvr>
+</p:sld>
+</file>
+
 <file path=ppt/slides/slide2.xml><?xml version="1.0" encoding="utf-8"?>
+<p:sld xmlns:a="http://schemas.openxmlformats.org/drawingml/2006/main" xmlns:r="http://schemas.openxmlformats.org/officeDocument/2006/relationships" xmlns:p="http://schemas.openxmlformats.org/presentationml/2006/main">
+  <p:cSld>
+    <p:spTree>
+      <p:nvGrpSpPr>
+        <p:cNvPr id="1" name=""/>
+        <p:cNvGrpSpPr/>
+        <p:nvPr/>
+      </p:nvGrpSpPr>
+      <p:grpSpPr>
+        <a:xfrm>
+          <a:off x="0" y="0"/>
+          <a:ext cx="0" cy="0"/>
+          <a:chOff x="0" y="0"/>
+          <a:chExt cx="0" cy="0"/>
+        </a:xfrm>
+      </p:grpSpPr>
+      <p:sp>
+        <p:nvSpPr>
+          <p:cNvPr id="2" name="標題 1"/>
+          <p:cNvSpPr txBox="1">
+            <a:spLocks/>
+          </p:cNvSpPr>
+          <p:nvPr/>
+        </p:nvSpPr>
+        <p:spPr>
+          <a:xfrm>
+            <a:off x="3982720" y="3068320"/>
+            <a:ext cx="3677920" cy="995680"/>
+          </a:xfrm>
+          <a:prstGeom prst="rect">
+            <a:avLst/>
+          </a:prstGeom>
+        </p:spPr>
+        <p:txBody>
+          <a:bodyPr/>
+          <a:lstStyle>
+            <a:lvl1pPr algn="ctr" defTabSz="457200" rtl="0" eaLnBrk="1" latinLnBrk="0" hangingPunct="1">
+              <a:spcBef>
+                <a:spcPct val="0"/>
+              </a:spcBef>
+              <a:buNone/>
+              <a:defRPr sz="4400" kern="1200" cap="none">
+                <a:ln w="3175" cmpd="sng">
+                  <a:noFill/>
+                </a:ln>
+                <a:solidFill>
+                  <a:schemeClr val="tx1">
+                    <a:lumMod val="85000"/>
+                    <a:lumOff val="15000"/>
+                  </a:schemeClr>
+                </a:solidFill>
+                <a:effectLst/>
+                <a:latin typeface="+mj-lt"/>
+                <a:ea typeface="+mj-ea"/>
+                <a:cs typeface="+mj-cs"/>
+              </a:defRPr>
+            </a:lvl1pPr>
+            <a:lvl2pPr eaLnBrk="1" hangingPunct="1">
+              <a:defRPr>
+                <a:solidFill>
+                  <a:schemeClr val="tx2"/>
+                </a:solidFill>
+              </a:defRPr>
+            </a:lvl2pPr>
+            <a:lvl3pPr eaLnBrk="1" hangingPunct="1">
+              <a:defRPr>
+                <a:solidFill>
+                  <a:schemeClr val="tx2"/>
+                </a:solidFill>
+              </a:defRPr>
+            </a:lvl3pPr>
+            <a:lvl4pPr eaLnBrk="1" hangingPunct="1">
+              <a:defRPr>
+                <a:solidFill>
+                  <a:schemeClr val="tx2"/>
+                </a:solidFill>
+              </a:defRPr>
+            </a:lvl4pPr>
+            <a:lvl5pPr eaLnBrk="1" hangingPunct="1">
+              <a:defRPr>
+                <a:solidFill>
+                  <a:schemeClr val="tx2"/>
+                </a:solidFill>
+              </a:defRPr>
+            </a:lvl5pPr>
+            <a:lvl6pPr eaLnBrk="1" hangingPunct="1">
+              <a:defRPr>
+                <a:solidFill>
+                  <a:schemeClr val="tx2"/>
+                </a:solidFill>
+              </a:defRPr>
+            </a:lvl6pPr>
+            <a:lvl7pPr eaLnBrk="1" hangingPunct="1">
+              <a:defRPr>
+                <a:solidFill>
+                  <a:schemeClr val="tx2"/>
+                </a:solidFill>
+              </a:defRPr>
+            </a:lvl7pPr>
+            <a:lvl8pPr eaLnBrk="1" hangingPunct="1">
+              <a:defRPr>
+                <a:solidFill>
+                  <a:schemeClr val="tx2"/>
+                </a:solidFill>
+              </a:defRPr>
+            </a:lvl8pPr>
+            <a:lvl9pPr eaLnBrk="1" hangingPunct="1">
+              <a:defRPr>
+                <a:solidFill>
+                  <a:schemeClr val="tx2"/>
+                </a:solidFill>
+              </a:defRPr>
+            </a:lvl9pPr>
+          </a:lstStyle>
+          <a:p>
+            <a:r>
+              <a:rPr lang="zh-TW" altLang="en-US" sz="6000" b="1" dirty="0" smtClean="0">
+                <a:solidFill>
+                  <a:srgbClr val="333333"/>
+                </a:solidFill>
+                <a:latin typeface="標楷體" panose="03000509000000000000" pitchFamily="65" charset="-120"/>
+                <a:ea typeface="標楷體" panose="03000509000000000000" pitchFamily="65" charset="-120"/>
+              </a:rPr>
+              <a:t>後端開發</a:t>
+            </a:r>
+            <a:endParaRPr lang="zh-TW" altLang="en-US" sz="6000" b="1" dirty="0">
+              <a:solidFill>
+                <a:srgbClr val="000000"/>
+              </a:solidFill>
+              <a:latin typeface="標楷體" panose="03000509000000000000" pitchFamily="65" charset="-120"/>
+              <a:ea typeface="標楷體" panose="03000509000000000000" pitchFamily="65" charset="-120"/>
+            </a:endParaRPr>
+          </a:p>
+        </p:txBody>
+      </p:sp>
+    </p:spTree>
+    <p:extLst>
+      <p:ext uri="{BB962C8B-B14F-4D97-AF65-F5344CB8AC3E}">
+        <p14:creationId xmlns:p14="http://schemas.microsoft.com/office/powerpoint/2010/main" val="1609165209"/>
+      </p:ext>
+    </p:extLst>
+  </p:cSld>
+  <p:clrMapOvr>
+    <a:masterClrMapping/>
+  </p:clrMapOvr>
+</p:sld>
+</file>
+
+<file path=ppt/slides/slide3.xml><?xml version="1.0" encoding="utf-8"?>
 <p:sld xmlns:a="http://schemas.openxmlformats.org/drawingml/2006/main" xmlns:r="http://schemas.openxmlformats.org/officeDocument/2006/relationships" xmlns:p="http://schemas.openxmlformats.org/presentationml/2006/main">
   <p:cSld>
     <p:spTree>
@@ -6457,7 +7893,21 @@
                 <a:latin typeface="標楷體" panose="03000509000000000000" pitchFamily="65" charset="-120"/>
                 <a:ea typeface="標楷體" panose="03000509000000000000" pitchFamily="65" charset="-120"/>
               </a:rPr>
-              <a:t>進行驗證與搜尋演算法 → 從模擬資料庫撈取資料 → 回傳結果 </a:t>
+              <a:t>進行驗證與搜尋演算法 → </a:t>
+            </a:r>
+            <a:r>
+              <a:rPr lang="zh-TW" altLang="en-US" sz="1600" dirty="0" smtClean="0">
+                <a:latin typeface="標楷體" panose="03000509000000000000" pitchFamily="65" charset="-120"/>
+                <a:ea typeface="標楷體" panose="03000509000000000000" pitchFamily="65" charset="-120"/>
+              </a:rPr>
+              <a:t>從資料庫撈取食譜資料→ </a:t>
+            </a:r>
+            <a:r>
+              <a:rPr lang="zh-TW" altLang="en-US" sz="1600" dirty="0" smtClean="0">
+                <a:latin typeface="標楷體" panose="03000509000000000000" pitchFamily="65" charset="-120"/>
+                <a:ea typeface="標楷體" panose="03000509000000000000" pitchFamily="65" charset="-120"/>
+              </a:rPr>
+              <a:t>回傳結果 </a:t>
             </a:r>
             <a:r>
               <a:rPr lang="en-US" altLang="zh-TW" sz="1600" dirty="0" smtClean="0">
@@ -6493,7 +7943,7 @@
 </p:sld>
 </file>
 
-<file path=ppt/slides/slide3.xml><?xml version="1.0" encoding="utf-8"?>
+<file path=ppt/slides/slide4.xml><?xml version="1.0" encoding="utf-8"?>
 <p:sld xmlns:a="http://schemas.openxmlformats.org/drawingml/2006/main" xmlns:r="http://schemas.openxmlformats.org/officeDocument/2006/relationships" xmlns:p="http://schemas.openxmlformats.org/presentationml/2006/main">
   <p:cSld>
     <p:spTree>
@@ -6571,14 +8021,7 @@
                 <a:latin typeface="標楷體" panose="03000509000000000000" pitchFamily="65" charset="-120"/>
                 <a:ea typeface="標楷體" panose="03000509000000000000" pitchFamily="65" charset="-120"/>
               </a:rPr>
-              <a:t>利用字典模擬</a:t>
-            </a:r>
-            <a:r>
-              <a:rPr lang="zh-TW" altLang="en-US" dirty="0" smtClean="0">
-                <a:latin typeface="標楷體" panose="03000509000000000000" pitchFamily="65" charset="-120"/>
-                <a:ea typeface="標楷體" panose="03000509000000000000" pitchFamily="65" charset="-120"/>
-              </a:rPr>
-              <a:t>資料庫。</a:t>
+              <a:t>利用字典模擬資料庫。</a:t>
             </a:r>
           </a:p>
           <a:p>
@@ -6600,21 +8043,7 @@
                 <a:latin typeface="標楷體" panose="03000509000000000000" pitchFamily="65" charset="-120"/>
                 <a:ea typeface="標楷體" panose="03000509000000000000" pitchFamily="65" charset="-120"/>
               </a:rPr>
-              <a:t>彈性結構：方便快速</a:t>
-            </a:r>
-            <a:r>
-              <a:rPr lang="zh-TW" altLang="en-US" dirty="0" smtClean="0">
-                <a:latin typeface="標楷體" panose="03000509000000000000" pitchFamily="65" charset="-120"/>
-                <a:ea typeface="標楷體" panose="03000509000000000000" pitchFamily="65" charset="-120"/>
-              </a:rPr>
-              <a:t>迭代       與</a:t>
-            </a:r>
-            <a:r>
-              <a:rPr lang="zh-TW" altLang="en-US" dirty="0" smtClean="0">
-                <a:latin typeface="標楷體" panose="03000509000000000000" pitchFamily="65" charset="-120"/>
-                <a:ea typeface="標楷體" panose="03000509000000000000" pitchFamily="65" charset="-120"/>
-              </a:rPr>
-              <a:t>測試。</a:t>
+              <a:t>彈性結構：方便快速迭代       與測試。</a:t>
             </a:r>
           </a:p>
           <a:p>
@@ -7142,7 +8571,7 @@
 </p:sld>
 </file>
 
-<file path=ppt/slides/slide4.xml><?xml version="1.0" encoding="utf-8"?>
+<file path=ppt/slides/slide5.xml><?xml version="1.0" encoding="utf-8"?>
 <p:sld xmlns:a="http://schemas.openxmlformats.org/drawingml/2006/main" xmlns:r="http://schemas.openxmlformats.org/officeDocument/2006/relationships" xmlns:p="http://schemas.openxmlformats.org/presentationml/2006/main">
   <p:cSld>
     <p:spTree>
@@ -8322,7 +9751,7 @@
 </p:sld>
 </file>
 
-<file path=ppt/slides/slide5.xml><?xml version="1.0" encoding="utf-8"?>
+<file path=ppt/slides/slide6.xml><?xml version="1.0" encoding="utf-8"?>
 <p:sld xmlns:a="http://schemas.openxmlformats.org/drawingml/2006/main" xmlns:r="http://schemas.openxmlformats.org/officeDocument/2006/relationships" xmlns:p="http://schemas.openxmlformats.org/presentationml/2006/main">
   <p:cSld>
     <p:spTree>
@@ -8727,7 +10156,7 @@
 </p:sld>
 </file>
 
-<file path=ppt/slides/slide6.xml><?xml version="1.0" encoding="utf-8"?>
+<file path=ppt/slides/slide7.xml><?xml version="1.0" encoding="utf-8"?>
 <p:sld xmlns:a="http://schemas.openxmlformats.org/drawingml/2006/main" xmlns:r="http://schemas.openxmlformats.org/officeDocument/2006/relationships" xmlns:p="http://schemas.openxmlformats.org/presentationml/2006/main">
   <p:cSld>
     <p:spTree>
@@ -8754,24 +10183,29 @@
             <p:ph type="title"/>
           </p:nvPr>
         </p:nvSpPr>
-        <p:spPr/>
+        <p:spPr>
+          <a:xfrm>
+            <a:off x="1295402" y="1043092"/>
+            <a:ext cx="9601196" cy="1303867"/>
+          </a:xfrm>
+        </p:spPr>
         <p:txBody>
           <a:bodyPr/>
           <a:lstStyle/>
           <a:p>
             <a:r>
+              <a:rPr lang="zh-TW" altLang="en-US" dirty="0">
+                <a:latin typeface="標楷體" panose="03000509000000000000" pitchFamily="65" charset="-120"/>
+                <a:ea typeface="標楷體" panose="03000509000000000000" pitchFamily="65" charset="-120"/>
+              </a:rPr>
+              <a:t>模糊</a:t>
+            </a:r>
+            <a:r>
               <a:rPr lang="zh-TW" altLang="en-US" dirty="0" smtClean="0">
                 <a:latin typeface="標楷體" panose="03000509000000000000" pitchFamily="65" charset="-120"/>
                 <a:ea typeface="標楷體" panose="03000509000000000000" pitchFamily="65" charset="-120"/>
               </a:rPr>
-              <a:t>可能</a:t>
-            </a:r>
-            <a:r>
-              <a:rPr lang="zh-TW" altLang="en-US" dirty="0">
-                <a:latin typeface="標楷體" panose="03000509000000000000" pitchFamily="65" charset="-120"/>
-                <a:ea typeface="標楷體" panose="03000509000000000000" pitchFamily="65" charset="-120"/>
-              </a:rPr>
-              <a:t>新增功能</a:t>
+              <a:t>搜尋與智慧搜尋</a:t>
             </a:r>
             <a:endParaRPr lang="zh-TW" altLang="en-US" dirty="0">
               <a:latin typeface="標楷體" panose="03000509000000000000" pitchFamily="65" charset="-120"/>
@@ -8782,276 +10216,1336 @@
       </p:sp>
       <p:sp>
         <p:nvSpPr>
-          <p:cNvPr id="3" name="文字方塊 2"/>
-          <p:cNvSpPr txBox="1"/>
+          <p:cNvPr id="6" name="矩形 5"/>
+          <p:cNvSpPr/>
           <p:nvPr/>
         </p:nvSpPr>
         <p:spPr>
           <a:xfrm>
-            <a:off x="1295402" y="2418080"/>
-            <a:ext cx="10195558" cy="3046988"/>
+            <a:off x="2021840" y="2727236"/>
+            <a:ext cx="8874758" cy="3046988"/>
+          </a:xfrm>
+          <a:prstGeom prst="rect">
+            <a:avLst/>
+          </a:prstGeom>
+        </p:spPr>
+        <p:txBody>
+          <a:bodyPr wrap="square">
+            <a:spAutoFit/>
+          </a:bodyPr>
+          <a:lstStyle/>
+          <a:p>
+            <a:pPr marL="285750" indent="-285750">
+              <a:buFont typeface="Arial" panose="020B0604020202020204" pitchFamily="34" charset="0"/>
+              <a:buChar char="•"/>
+            </a:pPr>
+            <a:r>
+              <a:rPr lang="zh-TW" altLang="en-US" sz="2400" dirty="0">
+                <a:latin typeface="標楷體" panose="03000509000000000000" pitchFamily="65" charset="-120"/>
+                <a:ea typeface="標楷體" panose="03000509000000000000" pitchFamily="65" charset="-120"/>
+              </a:rPr>
+              <a:t>分類</a:t>
+            </a:r>
+            <a:r>
+              <a:rPr lang="zh-TW" altLang="en-US" sz="2400" dirty="0" smtClean="0">
+                <a:latin typeface="標楷體" panose="03000509000000000000" pitchFamily="65" charset="-120"/>
+                <a:ea typeface="標楷體" panose="03000509000000000000" pitchFamily="65" charset="-120"/>
+              </a:rPr>
+              <a:t>過濾 </a:t>
+            </a:r>
+            <a:r>
+              <a:rPr lang="en-US" altLang="zh-TW" sz="2400" dirty="0" smtClean="0">
+                <a:latin typeface="標楷體" panose="03000509000000000000" pitchFamily="65" charset="-120"/>
+                <a:ea typeface="標楷體" panose="03000509000000000000" pitchFamily="65" charset="-120"/>
+              </a:rPr>
+              <a:t>-- </a:t>
+            </a:r>
+            <a:r>
+              <a:rPr lang="zh-TW" altLang="en-US" sz="2400" dirty="0" smtClean="0">
+                <a:latin typeface="標楷體" panose="03000509000000000000" pitchFamily="65" charset="-120"/>
+                <a:ea typeface="標楷體" panose="03000509000000000000" pitchFamily="65" charset="-120"/>
+              </a:rPr>
+              <a:t>為了解決前端語系或簡稱與資料庫不一致的問題，後端建立了映射表，</a:t>
+            </a:r>
+            <a:r>
+              <a:rPr lang="en-US" altLang="zh-TW" sz="2400" dirty="0" smtClean="0">
+                <a:latin typeface="標楷體" panose="03000509000000000000" pitchFamily="65" charset="-120"/>
+                <a:ea typeface="標楷體" panose="03000509000000000000" pitchFamily="65" charset="-120"/>
+              </a:rPr>
+              <a:t>EX: home </a:t>
+            </a:r>
+            <a:r>
+              <a:rPr lang="zh-TW" altLang="en-US" sz="2400" dirty="0" smtClean="0">
+                <a:latin typeface="標楷體" panose="03000509000000000000" pitchFamily="65" charset="-120"/>
+                <a:ea typeface="標楷體" panose="03000509000000000000" pitchFamily="65" charset="-120"/>
+              </a:rPr>
+              <a:t>對應 </a:t>
+            </a:r>
+            <a:r>
+              <a:rPr lang="en-US" altLang="zh-TW" sz="2400" dirty="0" smtClean="0">
+                <a:latin typeface="標楷體" panose="03000509000000000000" pitchFamily="65" charset="-120"/>
+                <a:ea typeface="標楷體" panose="03000509000000000000" pitchFamily="65" charset="-120"/>
+              </a:rPr>
+              <a:t>home</a:t>
+            </a:r>
+            <a:r>
+              <a:rPr lang="zh-TW" altLang="en-US" sz="2400" dirty="0" smtClean="0">
+                <a:latin typeface="標楷體" panose="03000509000000000000" pitchFamily="65" charset="-120"/>
+                <a:ea typeface="標楷體" panose="03000509000000000000" pitchFamily="65" charset="-120"/>
+              </a:rPr>
+              <a:t> 或家常菜。</a:t>
+            </a:r>
+            <a:endParaRPr lang="en-US" altLang="zh-TW" sz="2400" dirty="0" smtClean="0">
+              <a:latin typeface="標楷體" panose="03000509000000000000" pitchFamily="65" charset="-120"/>
+              <a:ea typeface="標楷體" panose="03000509000000000000" pitchFamily="65" charset="-120"/>
+            </a:endParaRPr>
+          </a:p>
+          <a:p>
+            <a:pPr marL="285750" indent="-285750">
+              <a:buFont typeface="Arial" panose="020B0604020202020204" pitchFamily="34" charset="0"/>
+              <a:buChar char="•"/>
+            </a:pPr>
+            <a:endParaRPr lang="en-US" altLang="zh-TW" sz="2400" dirty="0" smtClean="0">
+              <a:latin typeface="標楷體" panose="03000509000000000000" pitchFamily="65" charset="-120"/>
+              <a:ea typeface="標楷體" panose="03000509000000000000" pitchFamily="65" charset="-120"/>
+            </a:endParaRPr>
+          </a:p>
+          <a:p>
+            <a:pPr marL="285750" indent="-285750">
+              <a:buFont typeface="Arial" panose="020B0604020202020204" pitchFamily="34" charset="0"/>
+              <a:buChar char="•"/>
+            </a:pPr>
+            <a:r>
+              <a:rPr lang="zh-TW" altLang="en-US" sz="2400" dirty="0">
+                <a:latin typeface="標楷體" panose="03000509000000000000" pitchFamily="65" charset="-120"/>
+                <a:ea typeface="標楷體" panose="03000509000000000000" pitchFamily="65" charset="-120"/>
+              </a:rPr>
+              <a:t>多食材</a:t>
+            </a:r>
+            <a:r>
+              <a:rPr lang="zh-TW" altLang="en-US" sz="2400" dirty="0" smtClean="0">
+                <a:latin typeface="標楷體" panose="03000509000000000000" pitchFamily="65" charset="-120"/>
+                <a:ea typeface="標楷體" panose="03000509000000000000" pitchFamily="65" charset="-120"/>
+              </a:rPr>
+              <a:t>邏輯 </a:t>
+            </a:r>
+            <a:r>
+              <a:rPr lang="en-US" altLang="zh-TW" sz="2400" dirty="0" smtClean="0">
+                <a:latin typeface="標楷體" panose="03000509000000000000" pitchFamily="65" charset="-120"/>
+                <a:ea typeface="標楷體" panose="03000509000000000000" pitchFamily="65" charset="-120"/>
+              </a:rPr>
+              <a:t>-- </a:t>
+            </a:r>
+            <a:r>
+              <a:rPr lang="zh-TW" altLang="en-US" sz="2400" dirty="0" smtClean="0">
+                <a:latin typeface="標楷體" panose="03000509000000000000" pitchFamily="65" charset="-120"/>
+                <a:ea typeface="標楷體" panose="03000509000000000000" pitchFamily="65" charset="-120"/>
+              </a:rPr>
+              <a:t>系統支援多個食材參數</a:t>
+            </a:r>
+            <a:endParaRPr lang="en-US" altLang="zh-TW" sz="2400" dirty="0" smtClean="0">
+              <a:latin typeface="標楷體" panose="03000509000000000000" pitchFamily="65" charset="-120"/>
+              <a:ea typeface="標楷體" panose="03000509000000000000" pitchFamily="65" charset="-120"/>
+            </a:endParaRPr>
+          </a:p>
+          <a:p>
+            <a:pPr marL="285750" indent="-285750">
+              <a:buFont typeface="Arial" panose="020B0604020202020204" pitchFamily="34" charset="0"/>
+              <a:buChar char="•"/>
+            </a:pPr>
+            <a:endParaRPr lang="en-US" altLang="zh-TW" sz="2400" dirty="0" smtClean="0">
+              <a:latin typeface="標楷體" panose="03000509000000000000" pitchFamily="65" charset="-120"/>
+              <a:ea typeface="標楷體" panose="03000509000000000000" pitchFamily="65" charset="-120"/>
+            </a:endParaRPr>
+          </a:p>
+          <a:p>
+            <a:pPr marL="285750" indent="-285750">
+              <a:buFont typeface="Arial" panose="020B0604020202020204" pitchFamily="34" charset="0"/>
+              <a:buChar char="•"/>
+            </a:pPr>
+            <a:r>
+              <a:rPr lang="zh-TW" altLang="en-US" sz="2400" dirty="0" smtClean="0">
+                <a:latin typeface="標楷體" panose="03000509000000000000" pitchFamily="65" charset="-120"/>
+                <a:ea typeface="標楷體" panose="03000509000000000000" pitchFamily="65" charset="-120"/>
+              </a:rPr>
+              <a:t>模糊比對 </a:t>
+            </a:r>
+            <a:r>
+              <a:rPr lang="en-US" altLang="zh-TW" sz="2400" dirty="0" smtClean="0">
+                <a:latin typeface="標楷體" panose="03000509000000000000" pitchFamily="65" charset="-120"/>
+                <a:ea typeface="標楷體" panose="03000509000000000000" pitchFamily="65" charset="-120"/>
+              </a:rPr>
+              <a:t>-- EX:</a:t>
+            </a:r>
+            <a:r>
+              <a:rPr lang="zh-TW" altLang="en-US" sz="2400" dirty="0" smtClean="0">
+                <a:latin typeface="標楷體" panose="03000509000000000000" pitchFamily="65" charset="-120"/>
+                <a:ea typeface="標楷體" panose="03000509000000000000" pitchFamily="65" charset="-120"/>
+              </a:rPr>
+              <a:t>輸入飯的時候，會給出白飯、糙米飯、糯米飯的食譜</a:t>
+            </a:r>
+            <a:endParaRPr lang="en-US" altLang="zh-TW" sz="2400" dirty="0" smtClean="0">
+              <a:latin typeface="標楷體" panose="03000509000000000000" pitchFamily="65" charset="-120"/>
+              <a:ea typeface="標楷體" panose="03000509000000000000" pitchFamily="65" charset="-120"/>
+            </a:endParaRPr>
+          </a:p>
+          <a:p>
+            <a:pPr marL="285750" indent="-285750">
+              <a:buFont typeface="Arial" panose="020B0604020202020204" pitchFamily="34" charset="0"/>
+              <a:buChar char="•"/>
+            </a:pPr>
+            <a:endParaRPr lang="zh-TW" altLang="en-US" sz="2400" dirty="0">
+              <a:latin typeface="標楷體" panose="03000509000000000000" pitchFamily="65" charset="-120"/>
+              <a:ea typeface="標楷體" panose="03000509000000000000" pitchFamily="65" charset="-120"/>
+            </a:endParaRPr>
+          </a:p>
+        </p:txBody>
+      </p:sp>
+      <p:sp>
+        <p:nvSpPr>
+          <p:cNvPr id="10" name="Rectangle 4"/>
+          <p:cNvSpPr>
+            <a:spLocks noChangeArrowheads="1"/>
+          </p:cNvSpPr>
+          <p:nvPr/>
+        </p:nvSpPr>
+        <p:spPr bwMode="auto">
+          <a:xfrm>
+            <a:off x="0" y="67017"/>
+            <a:ext cx="184731" cy="323165"/>
           </a:xfrm>
           <a:prstGeom prst="rect">
             <a:avLst/>
           </a:prstGeom>
           <a:noFill/>
+          <a:ln>
+            <a:noFill/>
+          </a:ln>
+          <a:effectLst/>
+          <a:extLst>
+            <a:ext uri="{909E8E84-426E-40DD-AFC4-6F175D3DCCD1}">
+              <a14:hiddenFill xmlns:a14="http://schemas.microsoft.com/office/drawing/2010/main">
+                <a:solidFill>
+                  <a:schemeClr val="accent1"/>
+                </a:solidFill>
+              </a14:hiddenFill>
+            </a:ext>
+            <a:ext uri="{91240B29-F687-4F45-9708-019B960494DF}">
+              <a14:hiddenLine xmlns:a14="http://schemas.microsoft.com/office/drawing/2010/main" w="9525">
+                <a:solidFill>
+                  <a:schemeClr val="tx1"/>
+                </a:solidFill>
+                <a:miter lim="800000"/>
+                <a:headEnd/>
+                <a:tailEnd/>
+              </a14:hiddenLine>
+            </a:ext>
+            <a:ext uri="{AF507438-7753-43E0-B8FC-AC1667EBCBE1}">
+              <a14:hiddenEffects xmlns:a14="http://schemas.microsoft.com/office/drawing/2010/main">
+                <a:effectLst>
+                  <a:outerShdw dist="35921" dir="2700000" algn="ctr" rotWithShape="0">
+                    <a:schemeClr val="bg2"/>
+                  </a:outerShdw>
+                </a:effectLst>
+              </a14:hiddenEffects>
+            </a:ext>
+          </a:extLst>
         </p:spPr>
         <p:txBody>
-          <a:bodyPr vert="horz" wrap="square" rtlCol="0">
+          <a:bodyPr vert="horz" wrap="none" lIns="91440" tIns="0" rIns="91440" bIns="45720" numCol="1" anchor="ctr" anchorCtr="0" compatLnSpc="1">
+            <a:prstTxWarp prst="textNoShape">
+              <a:avLst/>
+            </a:prstTxWarp>
             <a:spAutoFit/>
           </a:bodyPr>
           <a:lstStyle/>
           <a:p>
-            <a:r>
-              <a:rPr lang="en-US" altLang="zh-TW" sz="2400" dirty="0" smtClean="0">
-                <a:latin typeface="標楷體" panose="03000509000000000000" pitchFamily="65" charset="-120"/>
-                <a:ea typeface="標楷體" panose="03000509000000000000" pitchFamily="65" charset="-120"/>
-              </a:rPr>
-              <a:t>1. </a:t>
-            </a:r>
-            <a:r>
-              <a:rPr lang="zh-TW" altLang="en-US" sz="2400" dirty="0" smtClean="0">
-                <a:latin typeface="標楷體" panose="03000509000000000000" pitchFamily="65" charset="-120"/>
-                <a:ea typeface="標楷體" panose="03000509000000000000" pitchFamily="65" charset="-120"/>
-              </a:rPr>
-              <a:t>資料庫整合</a:t>
-            </a:r>
-          </a:p>
-          <a:p>
-            <a:r>
-              <a:rPr lang="zh-TW" altLang="en-US" sz="2400" dirty="0" smtClean="0">
-                <a:latin typeface="標楷體" panose="03000509000000000000" pitchFamily="65" charset="-120"/>
-                <a:ea typeface="標楷體" panose="03000509000000000000" pitchFamily="65" charset="-120"/>
-              </a:rPr>
-              <a:t>   </a:t>
-            </a:r>
-            <a:r>
-              <a:rPr lang="en-US" altLang="zh-TW" sz="2400" dirty="0" smtClean="0">
-                <a:latin typeface="標楷體" panose="03000509000000000000" pitchFamily="65" charset="-120"/>
-                <a:ea typeface="標楷體" panose="03000509000000000000" pitchFamily="65" charset="-120"/>
-              </a:rPr>
-              <a:t>- </a:t>
-            </a:r>
-            <a:r>
-              <a:rPr lang="zh-TW" altLang="en-US" sz="2400" dirty="0" smtClean="0">
-                <a:latin typeface="標楷體" panose="03000509000000000000" pitchFamily="65" charset="-120"/>
-                <a:ea typeface="標楷體" panose="03000509000000000000" pitchFamily="65" charset="-120"/>
-              </a:rPr>
-              <a:t>將 </a:t>
-            </a:r>
-            <a:r>
-              <a:rPr lang="en-US" altLang="zh-TW" sz="2400" dirty="0" smtClean="0">
-                <a:latin typeface="標楷體" panose="03000509000000000000" pitchFamily="65" charset="-120"/>
-                <a:ea typeface="標楷體" panose="03000509000000000000" pitchFamily="65" charset="-120"/>
-              </a:rPr>
-              <a:t>Mock DB </a:t>
-            </a:r>
-            <a:r>
-              <a:rPr lang="zh-TW" altLang="en-US" sz="2400" dirty="0" smtClean="0">
-                <a:latin typeface="標楷體" panose="03000509000000000000" pitchFamily="65" charset="-120"/>
-                <a:ea typeface="標楷體" panose="03000509000000000000" pitchFamily="65" charset="-120"/>
-              </a:rPr>
-              <a:t>替換為 </a:t>
-            </a:r>
-            <a:r>
-              <a:rPr lang="en-US" altLang="zh-TW" sz="2400" dirty="0" smtClean="0">
-                <a:latin typeface="標楷體" panose="03000509000000000000" pitchFamily="65" charset="-120"/>
-                <a:ea typeface="標楷體" panose="03000509000000000000" pitchFamily="65" charset="-120"/>
-              </a:rPr>
-              <a:t>PostgreSQL </a:t>
-            </a:r>
-            <a:r>
-              <a:rPr lang="zh-TW" altLang="en-US" sz="2400" dirty="0" smtClean="0">
-                <a:latin typeface="標楷體" panose="03000509000000000000" pitchFamily="65" charset="-120"/>
-                <a:ea typeface="標楷體" panose="03000509000000000000" pitchFamily="65" charset="-120"/>
-              </a:rPr>
-              <a:t>或 </a:t>
-            </a:r>
-            <a:r>
-              <a:rPr lang="en-US" altLang="zh-TW" sz="2400" dirty="0" smtClean="0">
-                <a:latin typeface="標楷體" panose="03000509000000000000" pitchFamily="65" charset="-120"/>
-                <a:ea typeface="標楷體" panose="03000509000000000000" pitchFamily="65" charset="-120"/>
-              </a:rPr>
-              <a:t>MongoDB</a:t>
-            </a:r>
-            <a:r>
-              <a:rPr lang="zh-TW" altLang="en-US" sz="2400" dirty="0" smtClean="0">
-                <a:latin typeface="標楷體" panose="03000509000000000000" pitchFamily="65" charset="-120"/>
-                <a:ea typeface="標楷體" panose="03000509000000000000" pitchFamily="65" charset="-120"/>
-              </a:rPr>
-              <a:t>，支援大量數據。</a:t>
-            </a:r>
-          </a:p>
-          <a:p>
-            <a:endParaRPr lang="zh-TW" altLang="en-US" sz="2400" dirty="0" smtClean="0">
+            <a:pPr marL="0" marR="0" lvl="0" indent="0" algn="l" defTabSz="914400" rtl="0" eaLnBrk="0" fontAlgn="base" latinLnBrk="0" hangingPunct="0">
+              <a:lnSpc>
+                <a:spcPct val="100000"/>
+              </a:lnSpc>
+              <a:spcBef>
+                <a:spcPct val="0"/>
+              </a:spcBef>
+              <a:spcAft>
+                <a:spcPct val="0"/>
+              </a:spcAft>
+              <a:buClrTx/>
+              <a:buSzTx/>
+              <a:buFontTx/>
+              <a:buNone/>
+              <a:tabLst/>
+            </a:pPr>
+            <a:endParaRPr kumimoji="0" lang="zh-TW" altLang="zh-TW" sz="1800" b="0" i="0" u="none" strike="noStrike" cap="none" normalizeH="0" baseline="0" dirty="0" smtClean="0">
+              <a:ln>
+                <a:noFill/>
+              </a:ln>
+              <a:solidFill>
+                <a:schemeClr val="tx1"/>
+              </a:solidFill>
+              <a:effectLst/>
+              <a:latin typeface="Arial" panose="020B0604020202020204" pitchFamily="34" charset="0"/>
+            </a:endParaRPr>
+          </a:p>
+        </p:txBody>
+      </p:sp>
+    </p:spTree>
+    <p:extLst>
+      <p:ext uri="{BB962C8B-B14F-4D97-AF65-F5344CB8AC3E}">
+        <p14:creationId xmlns:p14="http://schemas.microsoft.com/office/powerpoint/2010/main" val="793177176"/>
+      </p:ext>
+    </p:extLst>
+  </p:cSld>
+  <p:clrMapOvr>
+    <a:masterClrMapping/>
+  </p:clrMapOvr>
+</p:sld>
+</file>
+
+<file path=ppt/slides/slide8.xml><?xml version="1.0" encoding="utf-8"?>
+<p:sld xmlns:a="http://schemas.openxmlformats.org/drawingml/2006/main" xmlns:r="http://schemas.openxmlformats.org/officeDocument/2006/relationships" xmlns:p="http://schemas.openxmlformats.org/presentationml/2006/main">
+  <p:cSld>
+    <p:spTree>
+      <p:nvGrpSpPr>
+        <p:cNvPr id="1" name=""/>
+        <p:cNvGrpSpPr/>
+        <p:nvPr/>
+      </p:nvGrpSpPr>
+      <p:grpSpPr>
+        <a:xfrm>
+          <a:off x="0" y="0"/>
+          <a:ext cx="0" cy="0"/>
+          <a:chOff x="0" y="0"/>
+          <a:chExt cx="0" cy="0"/>
+        </a:xfrm>
+      </p:grpSpPr>
+      <p:sp>
+        <p:nvSpPr>
+          <p:cNvPr id="2" name="標題 1"/>
+          <p:cNvSpPr>
+            <a:spLocks noGrp="1"/>
+          </p:cNvSpPr>
+          <p:nvPr>
+            <p:ph type="title"/>
+          </p:nvPr>
+        </p:nvSpPr>
+        <p:spPr/>
+        <p:txBody>
+          <a:bodyPr/>
+          <a:lstStyle/>
+          <a:p>
+            <a:r>
+              <a:rPr lang="zh-TW" altLang="en-US" dirty="0"/>
+              <a:t>模糊搜尋</a:t>
+            </a:r>
+            <a:endParaRPr lang="zh-TW" altLang="en-US" dirty="0"/>
+          </a:p>
+        </p:txBody>
+      </p:sp>
+      <p:graphicFrame>
+        <p:nvGraphicFramePr>
+          <p:cNvPr id="3" name="表格 2"/>
+          <p:cNvGraphicFramePr>
+            <a:graphicFrameLocks noGrp="1"/>
+          </p:cNvGraphicFramePr>
+          <p:nvPr>
+            <p:extLst>
+              <p:ext uri="{D42A27DB-BD31-4B8C-83A1-F6EECF244321}">
+                <p14:modId xmlns:p14="http://schemas.microsoft.com/office/powerpoint/2010/main" val="1064892661"/>
+              </p:ext>
+            </p:extLst>
+          </p:nvPr>
+        </p:nvGraphicFramePr>
+        <p:xfrm>
+          <a:off x="1295398" y="2382520"/>
+          <a:ext cx="9601200" cy="2600960"/>
+        </p:xfrm>
+        <a:graphic>
+          <a:graphicData uri="http://schemas.openxmlformats.org/drawingml/2006/table">
+            <a:tbl>
+              <a:tblPr/>
+              <a:tblGrid>
+                <a:gridCol w="3200400">
+                  <a:extLst>
+                    <a:ext uri="{9D8B030D-6E8A-4147-A177-3AD203B41FA5}">
+                      <a16:colId xmlns:a16="http://schemas.microsoft.com/office/drawing/2014/main" val="3940958616"/>
+                    </a:ext>
+                  </a:extLst>
+                </a:gridCol>
+                <a:gridCol w="3200400">
+                  <a:extLst>
+                    <a:ext uri="{9D8B030D-6E8A-4147-A177-3AD203B41FA5}">
+                      <a16:colId xmlns:a16="http://schemas.microsoft.com/office/drawing/2014/main" val="39086710"/>
+                    </a:ext>
+                  </a:extLst>
+                </a:gridCol>
+                <a:gridCol w="3200400">
+                  <a:extLst>
+                    <a:ext uri="{9D8B030D-6E8A-4147-A177-3AD203B41FA5}">
+                      <a16:colId xmlns:a16="http://schemas.microsoft.com/office/drawing/2014/main" val="3136804732"/>
+                    </a:ext>
+                  </a:extLst>
+                </a:gridCol>
+              </a:tblGrid>
+              <a:tr h="0">
+                <a:tc>
+                  <a:txBody>
+                    <a:bodyPr/>
+                    <a:lstStyle/>
+                    <a:p>
+                      <a:pPr rtl="0"/>
+                      <a:r>
+                        <a:rPr lang="zh-TW" altLang="en-US" sz="2400" b="1">
+                          <a:solidFill>
+                            <a:srgbClr val="1F1F1F"/>
+                          </a:solidFill>
+                          <a:effectLst/>
+                          <a:latin typeface="標楷體" panose="03000509000000000000" pitchFamily="65" charset="-120"/>
+                          <a:ea typeface="標楷體" panose="03000509000000000000" pitchFamily="65" charset="-120"/>
+                        </a:rPr>
+                        <a:t>參數名稱</a:t>
+                      </a:r>
+                      <a:endParaRPr lang="zh-TW" altLang="en-US" sz="2400">
+                        <a:solidFill>
+                          <a:srgbClr val="1F1F1F"/>
+                        </a:solidFill>
+                        <a:effectLst/>
+                        <a:latin typeface="標楷體" panose="03000509000000000000" pitchFamily="65" charset="-120"/>
+                        <a:ea typeface="標楷體" panose="03000509000000000000" pitchFamily="65" charset="-120"/>
+                      </a:endParaRPr>
+                    </a:p>
+                  </a:txBody>
+                  <a:tcPr marL="76200" marR="76200" marT="50800" marB="50800" anchor="ctr">
+                    <a:lnL w="6350" cap="flat" cmpd="sng" algn="ctr">
+                      <a:solidFill>
+                        <a:schemeClr val="bg1"/>
+                      </a:solidFill>
+                      <a:prstDash val="solid"/>
+                      <a:round/>
+                      <a:headEnd type="none" w="med" len="med"/>
+                      <a:tailEnd type="none" w="med" len="med"/>
+                    </a:lnL>
+                    <a:lnR w="6350" cap="flat" cmpd="sng" algn="ctr">
+                      <a:solidFill>
+                        <a:schemeClr val="bg1"/>
+                      </a:solidFill>
+                      <a:prstDash val="solid"/>
+                      <a:round/>
+                      <a:headEnd type="none" w="med" len="med"/>
+                      <a:tailEnd type="none" w="med" len="med"/>
+                    </a:lnR>
+                    <a:lnT w="6350" cap="flat" cmpd="sng" algn="ctr">
+                      <a:solidFill>
+                        <a:schemeClr val="bg1"/>
+                      </a:solidFill>
+                      <a:prstDash val="solid"/>
+                      <a:round/>
+                      <a:headEnd type="none" w="med" len="med"/>
+                      <a:tailEnd type="none" w="med" len="med"/>
+                    </a:lnT>
+                    <a:lnB w="6350" cap="flat" cmpd="sng" algn="ctr">
+                      <a:solidFill>
+                        <a:schemeClr val="bg1"/>
+                      </a:solidFill>
+                      <a:prstDash val="solid"/>
+                      <a:round/>
+                      <a:headEnd type="none" w="med" len="med"/>
+                      <a:tailEnd type="none" w="med" len="med"/>
+                    </a:lnB>
+                  </a:tcPr>
+                </a:tc>
+                <a:tc>
+                  <a:txBody>
+                    <a:bodyPr/>
+                    <a:lstStyle/>
+                    <a:p>
+                      <a:pPr rtl="0"/>
+                      <a:r>
+                        <a:rPr lang="zh-TW" altLang="en-US" sz="2400" b="1">
+                          <a:solidFill>
+                            <a:srgbClr val="1F1F1F"/>
+                          </a:solidFill>
+                          <a:effectLst/>
+                          <a:latin typeface="標楷體" panose="03000509000000000000" pitchFamily="65" charset="-120"/>
+                          <a:ea typeface="標楷體" panose="03000509000000000000" pitchFamily="65" charset="-120"/>
+                        </a:rPr>
+                        <a:t>類型</a:t>
+                      </a:r>
+                      <a:endParaRPr lang="zh-TW" altLang="en-US" sz="2400">
+                        <a:solidFill>
+                          <a:srgbClr val="1F1F1F"/>
+                        </a:solidFill>
+                        <a:effectLst/>
+                        <a:latin typeface="標楷體" panose="03000509000000000000" pitchFamily="65" charset="-120"/>
+                        <a:ea typeface="標楷體" panose="03000509000000000000" pitchFamily="65" charset="-120"/>
+                      </a:endParaRPr>
+                    </a:p>
+                  </a:txBody>
+                  <a:tcPr marL="76200" marR="76200" marT="50800" marB="50800" anchor="ctr">
+                    <a:lnL w="6350" cap="flat" cmpd="sng" algn="ctr">
+                      <a:solidFill>
+                        <a:schemeClr val="bg1"/>
+                      </a:solidFill>
+                      <a:prstDash val="solid"/>
+                      <a:round/>
+                      <a:headEnd type="none" w="med" len="med"/>
+                      <a:tailEnd type="none" w="med" len="med"/>
+                    </a:lnL>
+                    <a:lnR w="6350" cap="flat" cmpd="sng" algn="ctr">
+                      <a:solidFill>
+                        <a:schemeClr val="bg1"/>
+                      </a:solidFill>
+                      <a:prstDash val="solid"/>
+                      <a:round/>
+                      <a:headEnd type="none" w="med" len="med"/>
+                      <a:tailEnd type="none" w="med" len="med"/>
+                    </a:lnR>
+                    <a:lnT w="6350" cap="flat" cmpd="sng" algn="ctr">
+                      <a:solidFill>
+                        <a:schemeClr val="bg1"/>
+                      </a:solidFill>
+                      <a:prstDash val="solid"/>
+                      <a:round/>
+                      <a:headEnd type="none" w="med" len="med"/>
+                      <a:tailEnd type="none" w="med" len="med"/>
+                    </a:lnT>
+                    <a:lnB w="6350" cap="flat" cmpd="sng" algn="ctr">
+                      <a:solidFill>
+                        <a:schemeClr val="bg1"/>
+                      </a:solidFill>
+                      <a:prstDash val="solid"/>
+                      <a:round/>
+                      <a:headEnd type="none" w="med" len="med"/>
+                      <a:tailEnd type="none" w="med" len="med"/>
+                    </a:lnB>
+                  </a:tcPr>
+                </a:tc>
+                <a:tc>
+                  <a:txBody>
+                    <a:bodyPr/>
+                    <a:lstStyle/>
+                    <a:p>
+                      <a:pPr rtl="0"/>
+                      <a:r>
+                        <a:rPr lang="zh-TW" altLang="en-US" sz="2400" b="1">
+                          <a:solidFill>
+                            <a:srgbClr val="1F1F1F"/>
+                          </a:solidFill>
+                          <a:effectLst/>
+                          <a:latin typeface="標楷體" panose="03000509000000000000" pitchFamily="65" charset="-120"/>
+                          <a:ea typeface="標楷體" panose="03000509000000000000" pitchFamily="65" charset="-120"/>
+                        </a:rPr>
+                        <a:t>說明</a:t>
+                      </a:r>
+                      <a:endParaRPr lang="zh-TW" altLang="en-US" sz="2400">
+                        <a:solidFill>
+                          <a:srgbClr val="1F1F1F"/>
+                        </a:solidFill>
+                        <a:effectLst/>
+                        <a:latin typeface="標楷體" panose="03000509000000000000" pitchFamily="65" charset="-120"/>
+                        <a:ea typeface="標楷體" panose="03000509000000000000" pitchFamily="65" charset="-120"/>
+                      </a:endParaRPr>
+                    </a:p>
+                  </a:txBody>
+                  <a:tcPr marL="76200" marR="76200" marT="50800" marB="50800" anchor="ctr">
+                    <a:lnL w="6350" cap="flat" cmpd="sng" algn="ctr">
+                      <a:solidFill>
+                        <a:schemeClr val="bg1"/>
+                      </a:solidFill>
+                      <a:prstDash val="solid"/>
+                      <a:round/>
+                      <a:headEnd type="none" w="med" len="med"/>
+                      <a:tailEnd type="none" w="med" len="med"/>
+                    </a:lnL>
+                    <a:lnR w="6350" cap="flat" cmpd="sng" algn="ctr">
+                      <a:solidFill>
+                        <a:schemeClr val="bg1"/>
+                      </a:solidFill>
+                      <a:prstDash val="solid"/>
+                      <a:round/>
+                      <a:headEnd type="none" w="med" len="med"/>
+                      <a:tailEnd type="none" w="med" len="med"/>
+                    </a:lnR>
+                    <a:lnT w="6350" cap="flat" cmpd="sng" algn="ctr">
+                      <a:solidFill>
+                        <a:schemeClr val="bg1"/>
+                      </a:solidFill>
+                      <a:prstDash val="solid"/>
+                      <a:round/>
+                      <a:headEnd type="none" w="med" len="med"/>
+                      <a:tailEnd type="none" w="med" len="med"/>
+                    </a:lnT>
+                    <a:lnB w="6350" cap="flat" cmpd="sng" algn="ctr">
+                      <a:solidFill>
+                        <a:schemeClr val="bg1"/>
+                      </a:solidFill>
+                      <a:prstDash val="solid"/>
+                      <a:round/>
+                      <a:headEnd type="none" w="med" len="med"/>
+                      <a:tailEnd type="none" w="med" len="med"/>
+                    </a:lnB>
+                  </a:tcPr>
+                </a:tc>
+                <a:extLst>
+                  <a:ext uri="{0D108BD9-81ED-4DB2-BD59-A6C34878D82A}">
+                    <a16:rowId xmlns:a16="http://schemas.microsoft.com/office/drawing/2014/main" val="3056333015"/>
+                  </a:ext>
+                </a:extLst>
+              </a:tr>
+              <a:tr h="0">
+                <a:tc>
+                  <a:txBody>
+                    <a:bodyPr/>
+                    <a:lstStyle/>
+                    <a:p>
+                      <a:pPr rtl="0"/>
+                      <a:r>
+                        <a:rPr lang="en-US" sz="2400">
+                          <a:solidFill>
+                            <a:srgbClr val="1F1F1F"/>
+                          </a:solidFill>
+                          <a:effectLst/>
+                          <a:latin typeface="標楷體" panose="03000509000000000000" pitchFamily="65" charset="-120"/>
+                          <a:ea typeface="標楷體" panose="03000509000000000000" pitchFamily="65" charset="-120"/>
+                        </a:rPr>
+                        <a:t>category</a:t>
+                      </a:r>
+                    </a:p>
+                  </a:txBody>
+                  <a:tcPr marL="76200" marR="76200" marT="50800" marB="50800" anchor="ctr">
+                    <a:lnL w="6350" cap="flat" cmpd="sng" algn="ctr">
+                      <a:solidFill>
+                        <a:schemeClr val="bg1"/>
+                      </a:solidFill>
+                      <a:prstDash val="solid"/>
+                      <a:round/>
+                      <a:headEnd type="none" w="med" len="med"/>
+                      <a:tailEnd type="none" w="med" len="med"/>
+                    </a:lnL>
+                    <a:lnR w="6350" cap="flat" cmpd="sng" algn="ctr">
+                      <a:solidFill>
+                        <a:schemeClr val="bg1"/>
+                      </a:solidFill>
+                      <a:prstDash val="solid"/>
+                      <a:round/>
+                      <a:headEnd type="none" w="med" len="med"/>
+                      <a:tailEnd type="none" w="med" len="med"/>
+                    </a:lnR>
+                    <a:lnT w="6350" cap="flat" cmpd="sng" algn="ctr">
+                      <a:solidFill>
+                        <a:schemeClr val="bg1"/>
+                      </a:solidFill>
+                      <a:prstDash val="solid"/>
+                      <a:round/>
+                      <a:headEnd type="none" w="med" len="med"/>
+                      <a:tailEnd type="none" w="med" len="med"/>
+                    </a:lnT>
+                    <a:lnB w="6350" cap="flat" cmpd="sng" algn="ctr">
+                      <a:solidFill>
+                        <a:schemeClr val="bg1"/>
+                      </a:solidFill>
+                      <a:prstDash val="solid"/>
+                      <a:round/>
+                      <a:headEnd type="none" w="med" len="med"/>
+                      <a:tailEnd type="none" w="med" len="med"/>
+                    </a:lnB>
+                  </a:tcPr>
+                </a:tc>
+                <a:tc>
+                  <a:txBody>
+                    <a:bodyPr/>
+                    <a:lstStyle/>
+                    <a:p>
+                      <a:pPr rtl="0"/>
+                      <a:r>
+                        <a:rPr lang="en-US" sz="2400">
+                          <a:solidFill>
+                            <a:srgbClr val="1F1F1F"/>
+                          </a:solidFill>
+                          <a:effectLst/>
+                          <a:latin typeface="標楷體" panose="03000509000000000000" pitchFamily="65" charset="-120"/>
+                          <a:ea typeface="標楷體" panose="03000509000000000000" pitchFamily="65" charset="-120"/>
+                        </a:rPr>
+                        <a:t>Optional[str]</a:t>
+                      </a:r>
+                    </a:p>
+                  </a:txBody>
+                  <a:tcPr marL="76200" marR="76200" marT="50800" marB="50800" anchor="ctr">
+                    <a:lnL w="6350" cap="flat" cmpd="sng" algn="ctr">
+                      <a:solidFill>
+                        <a:schemeClr val="bg1"/>
+                      </a:solidFill>
+                      <a:prstDash val="solid"/>
+                      <a:round/>
+                      <a:headEnd type="none" w="med" len="med"/>
+                      <a:tailEnd type="none" w="med" len="med"/>
+                    </a:lnL>
+                    <a:lnR w="6350" cap="flat" cmpd="sng" algn="ctr">
+                      <a:solidFill>
+                        <a:schemeClr val="bg1"/>
+                      </a:solidFill>
+                      <a:prstDash val="solid"/>
+                      <a:round/>
+                      <a:headEnd type="none" w="med" len="med"/>
+                      <a:tailEnd type="none" w="med" len="med"/>
+                    </a:lnR>
+                    <a:lnT w="6350" cap="flat" cmpd="sng" algn="ctr">
+                      <a:solidFill>
+                        <a:schemeClr val="bg1"/>
+                      </a:solidFill>
+                      <a:prstDash val="solid"/>
+                      <a:round/>
+                      <a:headEnd type="none" w="med" len="med"/>
+                      <a:tailEnd type="none" w="med" len="med"/>
+                    </a:lnT>
+                    <a:lnB w="6350" cap="flat" cmpd="sng" algn="ctr">
+                      <a:solidFill>
+                        <a:schemeClr val="bg1"/>
+                      </a:solidFill>
+                      <a:prstDash val="solid"/>
+                      <a:round/>
+                      <a:headEnd type="none" w="med" len="med"/>
+                      <a:tailEnd type="none" w="med" len="med"/>
+                    </a:lnB>
+                  </a:tcPr>
+                </a:tc>
+                <a:tc>
+                  <a:txBody>
+                    <a:bodyPr/>
+                    <a:lstStyle/>
+                    <a:p>
+                      <a:pPr rtl="0"/>
+                      <a:r>
+                        <a:rPr lang="zh-TW" altLang="en-US" sz="2400">
+                          <a:solidFill>
+                            <a:srgbClr val="1F1F1F"/>
+                          </a:solidFill>
+                          <a:effectLst/>
+                          <a:latin typeface="標楷體" panose="03000509000000000000" pitchFamily="65" charset="-120"/>
+                          <a:ea typeface="標楷體" panose="03000509000000000000" pitchFamily="65" charset="-120"/>
+                        </a:rPr>
+                        <a:t>篩選甜點或家常菜分類</a:t>
+                      </a:r>
+                    </a:p>
+                  </a:txBody>
+                  <a:tcPr marL="76200" marR="76200" marT="50800" marB="50800" anchor="ctr">
+                    <a:lnL w="6350" cap="flat" cmpd="sng" algn="ctr">
+                      <a:solidFill>
+                        <a:schemeClr val="bg1"/>
+                      </a:solidFill>
+                      <a:prstDash val="solid"/>
+                      <a:round/>
+                      <a:headEnd type="none" w="med" len="med"/>
+                      <a:tailEnd type="none" w="med" len="med"/>
+                    </a:lnL>
+                    <a:lnR w="6350" cap="flat" cmpd="sng" algn="ctr">
+                      <a:solidFill>
+                        <a:schemeClr val="bg1"/>
+                      </a:solidFill>
+                      <a:prstDash val="solid"/>
+                      <a:round/>
+                      <a:headEnd type="none" w="med" len="med"/>
+                      <a:tailEnd type="none" w="med" len="med"/>
+                    </a:lnR>
+                    <a:lnT w="6350" cap="flat" cmpd="sng" algn="ctr">
+                      <a:solidFill>
+                        <a:schemeClr val="bg1"/>
+                      </a:solidFill>
+                      <a:prstDash val="solid"/>
+                      <a:round/>
+                      <a:headEnd type="none" w="med" len="med"/>
+                      <a:tailEnd type="none" w="med" len="med"/>
+                    </a:lnT>
+                    <a:lnB w="6350" cap="flat" cmpd="sng" algn="ctr">
+                      <a:solidFill>
+                        <a:schemeClr val="bg1"/>
+                      </a:solidFill>
+                      <a:prstDash val="solid"/>
+                      <a:round/>
+                      <a:headEnd type="none" w="med" len="med"/>
+                      <a:tailEnd type="none" w="med" len="med"/>
+                    </a:lnB>
+                  </a:tcPr>
+                </a:tc>
+                <a:extLst>
+                  <a:ext uri="{0D108BD9-81ED-4DB2-BD59-A6C34878D82A}">
+                    <a16:rowId xmlns:a16="http://schemas.microsoft.com/office/drawing/2014/main" val="82400247"/>
+                  </a:ext>
+                </a:extLst>
+              </a:tr>
+              <a:tr h="0">
+                <a:tc>
+                  <a:txBody>
+                    <a:bodyPr/>
+                    <a:lstStyle/>
+                    <a:p>
+                      <a:pPr rtl="0"/>
+                      <a:r>
+                        <a:rPr lang="en-US" sz="2400">
+                          <a:solidFill>
+                            <a:srgbClr val="1F1F1F"/>
+                          </a:solidFill>
+                          <a:effectLst/>
+                          <a:latin typeface="標楷體" panose="03000509000000000000" pitchFamily="65" charset="-120"/>
+                          <a:ea typeface="標楷體" panose="03000509000000000000" pitchFamily="65" charset="-120"/>
+                        </a:rPr>
+                        <a:t>ingredient</a:t>
+                      </a:r>
+                    </a:p>
+                  </a:txBody>
+                  <a:tcPr marL="76200" marR="76200" marT="50800" marB="50800" anchor="ctr">
+                    <a:lnL w="6350" cap="flat" cmpd="sng" algn="ctr">
+                      <a:solidFill>
+                        <a:schemeClr val="bg1"/>
+                      </a:solidFill>
+                      <a:prstDash val="solid"/>
+                      <a:round/>
+                      <a:headEnd type="none" w="med" len="med"/>
+                      <a:tailEnd type="none" w="med" len="med"/>
+                    </a:lnL>
+                    <a:lnR w="6350" cap="flat" cmpd="sng" algn="ctr">
+                      <a:solidFill>
+                        <a:schemeClr val="bg1"/>
+                      </a:solidFill>
+                      <a:prstDash val="solid"/>
+                      <a:round/>
+                      <a:headEnd type="none" w="med" len="med"/>
+                      <a:tailEnd type="none" w="med" len="med"/>
+                    </a:lnR>
+                    <a:lnT w="6350" cap="flat" cmpd="sng" algn="ctr">
+                      <a:solidFill>
+                        <a:schemeClr val="bg1"/>
+                      </a:solidFill>
+                      <a:prstDash val="solid"/>
+                      <a:round/>
+                      <a:headEnd type="none" w="med" len="med"/>
+                      <a:tailEnd type="none" w="med" len="med"/>
+                    </a:lnT>
+                    <a:lnB w="6350" cap="flat" cmpd="sng" algn="ctr">
+                      <a:solidFill>
+                        <a:schemeClr val="bg1"/>
+                      </a:solidFill>
+                      <a:prstDash val="solid"/>
+                      <a:round/>
+                      <a:headEnd type="none" w="med" len="med"/>
+                      <a:tailEnd type="none" w="med" len="med"/>
+                    </a:lnB>
+                  </a:tcPr>
+                </a:tc>
+                <a:tc>
+                  <a:txBody>
+                    <a:bodyPr/>
+                    <a:lstStyle/>
+                    <a:p>
+                      <a:pPr rtl="0"/>
+                      <a:r>
+                        <a:rPr lang="en-US" sz="2400" dirty="0">
+                          <a:solidFill>
+                            <a:srgbClr val="1F1F1F"/>
+                          </a:solidFill>
+                          <a:effectLst/>
+                          <a:latin typeface="標楷體" panose="03000509000000000000" pitchFamily="65" charset="-120"/>
+                          <a:ea typeface="標楷體" panose="03000509000000000000" pitchFamily="65" charset="-120"/>
+                        </a:rPr>
+                        <a:t>List[</a:t>
+                      </a:r>
+                      <a:r>
+                        <a:rPr lang="en-US" sz="2400" dirty="0" err="1">
+                          <a:solidFill>
+                            <a:srgbClr val="1F1F1F"/>
+                          </a:solidFill>
+                          <a:effectLst/>
+                          <a:latin typeface="標楷體" panose="03000509000000000000" pitchFamily="65" charset="-120"/>
+                          <a:ea typeface="標楷體" panose="03000509000000000000" pitchFamily="65" charset="-120"/>
+                        </a:rPr>
+                        <a:t>str</a:t>
+                      </a:r>
+                      <a:r>
+                        <a:rPr lang="en-US" sz="2400" dirty="0">
+                          <a:solidFill>
+                            <a:srgbClr val="1F1F1F"/>
+                          </a:solidFill>
+                          <a:effectLst/>
+                          <a:latin typeface="標楷體" panose="03000509000000000000" pitchFamily="65" charset="-120"/>
+                          <a:ea typeface="標楷體" panose="03000509000000000000" pitchFamily="65" charset="-120"/>
+                        </a:rPr>
+                        <a:t>]</a:t>
+                      </a:r>
+                    </a:p>
+                  </a:txBody>
+                  <a:tcPr marL="76200" marR="76200" marT="50800" marB="50800" anchor="ctr">
+                    <a:lnL w="6350" cap="flat" cmpd="sng" algn="ctr">
+                      <a:solidFill>
+                        <a:schemeClr val="bg1"/>
+                      </a:solidFill>
+                      <a:prstDash val="solid"/>
+                      <a:round/>
+                      <a:headEnd type="none" w="med" len="med"/>
+                      <a:tailEnd type="none" w="med" len="med"/>
+                    </a:lnL>
+                    <a:lnR w="6350" cap="flat" cmpd="sng" algn="ctr">
+                      <a:solidFill>
+                        <a:schemeClr val="bg1"/>
+                      </a:solidFill>
+                      <a:prstDash val="solid"/>
+                      <a:round/>
+                      <a:headEnd type="none" w="med" len="med"/>
+                      <a:tailEnd type="none" w="med" len="med"/>
+                    </a:lnR>
+                    <a:lnT w="6350" cap="flat" cmpd="sng" algn="ctr">
+                      <a:solidFill>
+                        <a:schemeClr val="bg1"/>
+                      </a:solidFill>
+                      <a:prstDash val="solid"/>
+                      <a:round/>
+                      <a:headEnd type="none" w="med" len="med"/>
+                      <a:tailEnd type="none" w="med" len="med"/>
+                    </a:lnT>
+                    <a:lnB w="6350" cap="flat" cmpd="sng" algn="ctr">
+                      <a:solidFill>
+                        <a:schemeClr val="bg1"/>
+                      </a:solidFill>
+                      <a:prstDash val="solid"/>
+                      <a:round/>
+                      <a:headEnd type="none" w="med" len="med"/>
+                      <a:tailEnd type="none" w="med" len="med"/>
+                    </a:lnB>
+                  </a:tcPr>
+                </a:tc>
+                <a:tc>
+                  <a:txBody>
+                    <a:bodyPr/>
+                    <a:lstStyle/>
+                    <a:p>
+                      <a:pPr rtl="0"/>
+                      <a:r>
+                        <a:rPr lang="zh-TW" altLang="en-US" sz="2400" dirty="0">
+                          <a:solidFill>
+                            <a:srgbClr val="1F1F1F"/>
+                          </a:solidFill>
+                          <a:effectLst/>
+                          <a:latin typeface="標楷體" panose="03000509000000000000" pitchFamily="65" charset="-120"/>
+                          <a:ea typeface="標楷體" panose="03000509000000000000" pitchFamily="65" charset="-120"/>
+                        </a:rPr>
+                        <a:t>多選食材，支援模糊搜尋比對</a:t>
+                      </a:r>
+                    </a:p>
+                  </a:txBody>
+                  <a:tcPr marL="76200" marR="76200" marT="50800" marB="50800" anchor="ctr">
+                    <a:lnL w="6350" cap="flat" cmpd="sng" algn="ctr">
+                      <a:solidFill>
+                        <a:schemeClr val="bg1"/>
+                      </a:solidFill>
+                      <a:prstDash val="solid"/>
+                      <a:round/>
+                      <a:headEnd type="none" w="med" len="med"/>
+                      <a:tailEnd type="none" w="med" len="med"/>
+                    </a:lnL>
+                    <a:lnR w="6350" cap="flat" cmpd="sng" algn="ctr">
+                      <a:solidFill>
+                        <a:schemeClr val="bg1"/>
+                      </a:solidFill>
+                      <a:prstDash val="solid"/>
+                      <a:round/>
+                      <a:headEnd type="none" w="med" len="med"/>
+                      <a:tailEnd type="none" w="med" len="med"/>
+                    </a:lnR>
+                    <a:lnT w="6350" cap="flat" cmpd="sng" algn="ctr">
+                      <a:solidFill>
+                        <a:schemeClr val="bg1"/>
+                      </a:solidFill>
+                      <a:prstDash val="solid"/>
+                      <a:round/>
+                      <a:headEnd type="none" w="med" len="med"/>
+                      <a:tailEnd type="none" w="med" len="med"/>
+                    </a:lnT>
+                    <a:lnB w="6350" cap="flat" cmpd="sng" algn="ctr">
+                      <a:solidFill>
+                        <a:schemeClr val="bg1"/>
+                      </a:solidFill>
+                      <a:prstDash val="solid"/>
+                      <a:round/>
+                      <a:headEnd type="none" w="med" len="med"/>
+                      <a:tailEnd type="none" w="med" len="med"/>
+                    </a:lnB>
+                  </a:tcPr>
+                </a:tc>
+                <a:extLst>
+                  <a:ext uri="{0D108BD9-81ED-4DB2-BD59-A6C34878D82A}">
+                    <a16:rowId xmlns:a16="http://schemas.microsoft.com/office/drawing/2014/main" val="148695627"/>
+                  </a:ext>
+                </a:extLst>
+              </a:tr>
+              <a:tr h="0">
+                <a:tc>
+                  <a:txBody>
+                    <a:bodyPr/>
+                    <a:lstStyle/>
+                    <a:p>
+                      <a:pPr rtl="0"/>
+                      <a:r>
+                        <a:rPr lang="en-US" sz="2400">
+                          <a:solidFill>
+                            <a:srgbClr val="1F1F1F"/>
+                          </a:solidFill>
+                          <a:effectLst/>
+                          <a:latin typeface="標楷體" panose="03000509000000000000" pitchFamily="65" charset="-120"/>
+                          <a:ea typeface="標楷體" panose="03000509000000000000" pitchFamily="65" charset="-120"/>
+                        </a:rPr>
+                        <a:t>is_favorite</a:t>
+                      </a:r>
+                    </a:p>
+                  </a:txBody>
+                  <a:tcPr marL="76200" marR="76200" marT="50800" marB="50800" anchor="ctr">
+                    <a:lnL w="6350" cap="flat" cmpd="sng" algn="ctr">
+                      <a:solidFill>
+                        <a:schemeClr val="bg1"/>
+                      </a:solidFill>
+                      <a:prstDash val="solid"/>
+                      <a:round/>
+                      <a:headEnd type="none" w="med" len="med"/>
+                      <a:tailEnd type="none" w="med" len="med"/>
+                    </a:lnL>
+                    <a:lnR w="6350" cap="flat" cmpd="sng" algn="ctr">
+                      <a:solidFill>
+                        <a:schemeClr val="bg1"/>
+                      </a:solidFill>
+                      <a:prstDash val="solid"/>
+                      <a:round/>
+                      <a:headEnd type="none" w="med" len="med"/>
+                      <a:tailEnd type="none" w="med" len="med"/>
+                    </a:lnR>
+                    <a:lnT w="6350" cap="flat" cmpd="sng" algn="ctr">
+                      <a:solidFill>
+                        <a:schemeClr val="bg1"/>
+                      </a:solidFill>
+                      <a:prstDash val="solid"/>
+                      <a:round/>
+                      <a:headEnd type="none" w="med" len="med"/>
+                      <a:tailEnd type="none" w="med" len="med"/>
+                    </a:lnT>
+                    <a:lnB w="6350" cap="flat" cmpd="sng" algn="ctr">
+                      <a:solidFill>
+                        <a:schemeClr val="bg1"/>
+                      </a:solidFill>
+                      <a:prstDash val="solid"/>
+                      <a:round/>
+                      <a:headEnd type="none" w="med" len="med"/>
+                      <a:tailEnd type="none" w="med" len="med"/>
+                    </a:lnB>
+                  </a:tcPr>
+                </a:tc>
+                <a:tc>
+                  <a:txBody>
+                    <a:bodyPr/>
+                    <a:lstStyle/>
+                    <a:p>
+                      <a:pPr rtl="0"/>
+                      <a:r>
+                        <a:rPr lang="en-US" sz="2400">
+                          <a:solidFill>
+                            <a:srgbClr val="1F1F1F"/>
+                          </a:solidFill>
+                          <a:effectLst/>
+                          <a:latin typeface="標楷體" panose="03000509000000000000" pitchFamily="65" charset="-120"/>
+                          <a:ea typeface="標楷體" panose="03000509000000000000" pitchFamily="65" charset="-120"/>
+                        </a:rPr>
+                        <a:t>Boolean (</a:t>
+                      </a:r>
+                      <a:r>
+                        <a:rPr lang="zh-TW" altLang="en-US" sz="2400">
+                          <a:solidFill>
+                            <a:srgbClr val="1F1F1F"/>
+                          </a:solidFill>
+                          <a:effectLst/>
+                          <a:latin typeface="標楷體" panose="03000509000000000000" pitchFamily="65" charset="-120"/>
+                          <a:ea typeface="標楷體" panose="03000509000000000000" pitchFamily="65" charset="-120"/>
+                        </a:rPr>
+                        <a:t>回傳</a:t>
+                      </a:r>
+                      <a:r>
+                        <a:rPr lang="en-US" altLang="zh-TW" sz="2400">
+                          <a:solidFill>
+                            <a:srgbClr val="1F1F1F"/>
+                          </a:solidFill>
+                          <a:effectLst/>
+                          <a:latin typeface="標楷體" panose="03000509000000000000" pitchFamily="65" charset="-120"/>
+                          <a:ea typeface="標楷體" panose="03000509000000000000" pitchFamily="65" charset="-120"/>
+                        </a:rPr>
+                        <a:t>)</a:t>
+                      </a:r>
+                    </a:p>
+                  </a:txBody>
+                  <a:tcPr marL="76200" marR="76200" marT="50800" marB="50800" anchor="ctr">
+                    <a:lnL w="6350" cap="flat" cmpd="sng" algn="ctr">
+                      <a:solidFill>
+                        <a:schemeClr val="bg1"/>
+                      </a:solidFill>
+                      <a:prstDash val="solid"/>
+                      <a:round/>
+                      <a:headEnd type="none" w="med" len="med"/>
+                      <a:tailEnd type="none" w="med" len="med"/>
+                    </a:lnL>
+                    <a:lnR w="6350" cap="flat" cmpd="sng" algn="ctr">
+                      <a:solidFill>
+                        <a:schemeClr val="bg1"/>
+                      </a:solidFill>
+                      <a:prstDash val="solid"/>
+                      <a:round/>
+                      <a:headEnd type="none" w="med" len="med"/>
+                      <a:tailEnd type="none" w="med" len="med"/>
+                    </a:lnR>
+                    <a:lnT w="6350" cap="flat" cmpd="sng" algn="ctr">
+                      <a:solidFill>
+                        <a:schemeClr val="bg1"/>
+                      </a:solidFill>
+                      <a:prstDash val="solid"/>
+                      <a:round/>
+                      <a:headEnd type="none" w="med" len="med"/>
+                      <a:tailEnd type="none" w="med" len="med"/>
+                    </a:lnT>
+                    <a:lnB w="6350" cap="flat" cmpd="sng" algn="ctr">
+                      <a:solidFill>
+                        <a:schemeClr val="bg1"/>
+                      </a:solidFill>
+                      <a:prstDash val="solid"/>
+                      <a:round/>
+                      <a:headEnd type="none" w="med" len="med"/>
+                      <a:tailEnd type="none" w="med" len="med"/>
+                    </a:lnB>
+                  </a:tcPr>
+                </a:tc>
+                <a:tc>
+                  <a:txBody>
+                    <a:bodyPr/>
+                    <a:lstStyle/>
+                    <a:p>
+                      <a:pPr rtl="0"/>
+                      <a:r>
+                        <a:rPr lang="zh-TW" altLang="en-US" sz="2400" dirty="0">
+                          <a:solidFill>
+                            <a:srgbClr val="1F1F1F"/>
+                          </a:solidFill>
+                          <a:effectLst/>
+                          <a:latin typeface="標楷體" panose="03000509000000000000" pitchFamily="65" charset="-120"/>
+                          <a:ea typeface="標楷體" panose="03000509000000000000" pitchFamily="65" charset="-120"/>
+                        </a:rPr>
+                        <a:t>自動標註該食譜是否已被使用者收藏</a:t>
+                      </a:r>
+                    </a:p>
+                  </a:txBody>
+                  <a:tcPr marL="76200" marR="76200" marT="50800" marB="50800" anchor="ctr">
+                    <a:lnL w="6350" cap="flat" cmpd="sng" algn="ctr">
+                      <a:solidFill>
+                        <a:schemeClr val="bg1"/>
+                      </a:solidFill>
+                      <a:prstDash val="solid"/>
+                      <a:round/>
+                      <a:headEnd type="none" w="med" len="med"/>
+                      <a:tailEnd type="none" w="med" len="med"/>
+                    </a:lnL>
+                    <a:lnR w="6350" cap="flat" cmpd="sng" algn="ctr">
+                      <a:solidFill>
+                        <a:schemeClr val="bg1"/>
+                      </a:solidFill>
+                      <a:prstDash val="solid"/>
+                      <a:round/>
+                      <a:headEnd type="none" w="med" len="med"/>
+                      <a:tailEnd type="none" w="med" len="med"/>
+                    </a:lnR>
+                    <a:lnT w="6350" cap="flat" cmpd="sng" algn="ctr">
+                      <a:solidFill>
+                        <a:schemeClr val="bg1"/>
+                      </a:solidFill>
+                      <a:prstDash val="solid"/>
+                      <a:round/>
+                      <a:headEnd type="none" w="med" len="med"/>
+                      <a:tailEnd type="none" w="med" len="med"/>
+                    </a:lnT>
+                    <a:lnB w="6350" cap="flat" cmpd="sng" algn="ctr">
+                      <a:solidFill>
+                        <a:schemeClr val="bg1"/>
+                      </a:solidFill>
+                      <a:prstDash val="solid"/>
+                      <a:round/>
+                      <a:headEnd type="none" w="med" len="med"/>
+                      <a:tailEnd type="none" w="med" len="med"/>
+                    </a:lnB>
+                  </a:tcPr>
+                </a:tc>
+                <a:extLst>
+                  <a:ext uri="{0D108BD9-81ED-4DB2-BD59-A6C34878D82A}">
+                    <a16:rowId xmlns:a16="http://schemas.microsoft.com/office/drawing/2014/main" val="4033369329"/>
+                  </a:ext>
+                </a:extLst>
+              </a:tr>
+            </a:tbl>
+          </a:graphicData>
+        </a:graphic>
+      </p:graphicFrame>
+    </p:spTree>
+    <p:extLst>
+      <p:ext uri="{BB962C8B-B14F-4D97-AF65-F5344CB8AC3E}">
+        <p14:creationId xmlns:p14="http://schemas.microsoft.com/office/powerpoint/2010/main" val="3524880402"/>
+      </p:ext>
+    </p:extLst>
+  </p:cSld>
+  <p:clrMapOvr>
+    <a:masterClrMapping/>
+  </p:clrMapOvr>
+</p:sld>
+</file>
+
+<file path=ppt/slides/slide9.xml><?xml version="1.0" encoding="utf-8"?>
+<p:sld xmlns:a="http://schemas.openxmlformats.org/drawingml/2006/main" xmlns:r="http://schemas.openxmlformats.org/officeDocument/2006/relationships" xmlns:p="http://schemas.openxmlformats.org/presentationml/2006/main">
+  <p:cSld>
+    <p:spTree>
+      <p:nvGrpSpPr>
+        <p:cNvPr id="1" name=""/>
+        <p:cNvGrpSpPr/>
+        <p:nvPr/>
+      </p:nvGrpSpPr>
+      <p:grpSpPr>
+        <a:xfrm>
+          <a:off x="0" y="0"/>
+          <a:ext cx="0" cy="0"/>
+          <a:chOff x="0" y="0"/>
+          <a:chExt cx="0" cy="0"/>
+        </a:xfrm>
+      </p:grpSpPr>
+      <p:sp>
+        <p:nvSpPr>
+          <p:cNvPr id="2" name="標題 1"/>
+          <p:cNvSpPr txBox="1">
+            <a:spLocks/>
+          </p:cNvSpPr>
+          <p:nvPr/>
+        </p:nvSpPr>
+        <p:spPr>
+          <a:xfrm>
+            <a:off x="3982720" y="3068320"/>
+            <a:ext cx="3677920" cy="995680"/>
+          </a:xfrm>
+          <a:prstGeom prst="rect">
+            <a:avLst/>
+          </a:prstGeom>
+        </p:spPr>
+        <p:txBody>
+          <a:bodyPr/>
+          <a:lstStyle>
+            <a:lvl1pPr algn="ctr" defTabSz="457200" rtl="0" eaLnBrk="1" latinLnBrk="0" hangingPunct="1">
+              <a:spcBef>
+                <a:spcPct val="0"/>
+              </a:spcBef>
+              <a:buNone/>
+              <a:defRPr sz="4400" kern="1200" cap="none">
+                <a:ln w="3175" cmpd="sng">
+                  <a:noFill/>
+                </a:ln>
+                <a:solidFill>
+                  <a:schemeClr val="tx1">
+                    <a:lumMod val="85000"/>
+                    <a:lumOff val="15000"/>
+                  </a:schemeClr>
+                </a:solidFill>
+                <a:effectLst/>
+                <a:latin typeface="+mj-lt"/>
+                <a:ea typeface="+mj-ea"/>
+                <a:cs typeface="+mj-cs"/>
+              </a:defRPr>
+            </a:lvl1pPr>
+            <a:lvl2pPr eaLnBrk="1" hangingPunct="1">
+              <a:defRPr>
+                <a:solidFill>
+                  <a:schemeClr val="tx2"/>
+                </a:solidFill>
+              </a:defRPr>
+            </a:lvl2pPr>
+            <a:lvl3pPr eaLnBrk="1" hangingPunct="1">
+              <a:defRPr>
+                <a:solidFill>
+                  <a:schemeClr val="tx2"/>
+                </a:solidFill>
+              </a:defRPr>
+            </a:lvl3pPr>
+            <a:lvl4pPr eaLnBrk="1" hangingPunct="1">
+              <a:defRPr>
+                <a:solidFill>
+                  <a:schemeClr val="tx2"/>
+                </a:solidFill>
+              </a:defRPr>
+            </a:lvl4pPr>
+            <a:lvl5pPr eaLnBrk="1" hangingPunct="1">
+              <a:defRPr>
+                <a:solidFill>
+                  <a:schemeClr val="tx2"/>
+                </a:solidFill>
+              </a:defRPr>
+            </a:lvl5pPr>
+            <a:lvl6pPr eaLnBrk="1" hangingPunct="1">
+              <a:defRPr>
+                <a:solidFill>
+                  <a:schemeClr val="tx2"/>
+                </a:solidFill>
+              </a:defRPr>
+            </a:lvl6pPr>
+            <a:lvl7pPr eaLnBrk="1" hangingPunct="1">
+              <a:defRPr>
+                <a:solidFill>
+                  <a:schemeClr val="tx2"/>
+                </a:solidFill>
+              </a:defRPr>
+            </a:lvl7pPr>
+            <a:lvl8pPr eaLnBrk="1" hangingPunct="1">
+              <a:defRPr>
+                <a:solidFill>
+                  <a:schemeClr val="tx2"/>
+                </a:solidFill>
+              </a:defRPr>
+            </a:lvl8pPr>
+            <a:lvl9pPr eaLnBrk="1" hangingPunct="1">
+              <a:defRPr>
+                <a:solidFill>
+                  <a:schemeClr val="tx2"/>
+                </a:solidFill>
+              </a:defRPr>
+            </a:lvl9pPr>
+          </a:lstStyle>
+          <a:p>
+            <a:r>
+              <a:rPr lang="zh-TW" altLang="en-US" sz="6000" b="1" dirty="0">
+                <a:solidFill>
+                  <a:srgbClr val="333333"/>
+                </a:solidFill>
+                <a:latin typeface="標楷體" panose="03000509000000000000" pitchFamily="65" charset="-120"/>
+                <a:ea typeface="標楷體" panose="03000509000000000000" pitchFamily="65" charset="-120"/>
+              </a:rPr>
+              <a:t>前</a:t>
+            </a:r>
+            <a:r>
+              <a:rPr lang="zh-TW" altLang="en-US" sz="6000" b="1" dirty="0" smtClean="0">
+                <a:solidFill>
+                  <a:srgbClr val="333333"/>
+                </a:solidFill>
+                <a:latin typeface="標楷體" panose="03000509000000000000" pitchFamily="65" charset="-120"/>
+                <a:ea typeface="標楷體" panose="03000509000000000000" pitchFamily="65" charset="-120"/>
+              </a:rPr>
+              <a:t>端開發</a:t>
+            </a:r>
+            <a:endParaRPr lang="zh-TW" altLang="en-US" sz="6000" b="1" dirty="0">
+              <a:solidFill>
+                <a:srgbClr val="000000"/>
+              </a:solidFill>
               <a:latin typeface="標楷體" panose="03000509000000000000" pitchFamily="65" charset="-120"/>
               <a:ea typeface="標楷體" panose="03000509000000000000" pitchFamily="65" charset="-120"/>
             </a:endParaRPr>
           </a:p>
-          <a:p>
-            <a:r>
-              <a:rPr lang="en-US" altLang="zh-TW" sz="2400" dirty="0" smtClean="0">
-                <a:latin typeface="標楷體" panose="03000509000000000000" pitchFamily="65" charset="-120"/>
-                <a:ea typeface="標楷體" panose="03000509000000000000" pitchFamily="65" charset="-120"/>
-              </a:rPr>
-              <a:t>2. </a:t>
-            </a:r>
-            <a:r>
-              <a:rPr lang="zh-TW" altLang="en-US" sz="2400" dirty="0" smtClean="0">
-                <a:latin typeface="標楷體" panose="03000509000000000000" pitchFamily="65" charset="-120"/>
-                <a:ea typeface="標楷體" panose="03000509000000000000" pitchFamily="65" charset="-120"/>
-              </a:rPr>
-              <a:t>搜尋演算法優化</a:t>
-            </a:r>
-          </a:p>
-          <a:p>
-            <a:r>
-              <a:rPr lang="zh-TW" altLang="en-US" sz="2400" dirty="0" smtClean="0">
-                <a:latin typeface="標楷體" panose="03000509000000000000" pitchFamily="65" charset="-120"/>
-                <a:ea typeface="標楷體" panose="03000509000000000000" pitchFamily="65" charset="-120"/>
-              </a:rPr>
-              <a:t>   </a:t>
-            </a:r>
-            <a:r>
-              <a:rPr lang="en-US" altLang="zh-TW" sz="2400" dirty="0" smtClean="0">
-                <a:latin typeface="標楷體" panose="03000509000000000000" pitchFamily="65" charset="-120"/>
-                <a:ea typeface="標楷體" panose="03000509000000000000" pitchFamily="65" charset="-120"/>
-              </a:rPr>
-              <a:t>- </a:t>
-            </a:r>
-            <a:r>
-              <a:rPr lang="zh-TW" altLang="en-US" sz="2400" dirty="0" smtClean="0">
-                <a:latin typeface="標楷體" panose="03000509000000000000" pitchFamily="65" charset="-120"/>
-                <a:ea typeface="標楷體" panose="03000509000000000000" pitchFamily="65" charset="-120"/>
-              </a:rPr>
-              <a:t>加入模糊搜尋 </a:t>
-            </a:r>
-            <a:r>
-              <a:rPr lang="en-US" altLang="zh-TW" sz="2400" dirty="0" smtClean="0">
-                <a:latin typeface="標楷體" panose="03000509000000000000" pitchFamily="65" charset="-120"/>
-                <a:ea typeface="標楷體" panose="03000509000000000000" pitchFamily="65" charset="-120"/>
-              </a:rPr>
-              <a:t>(Fuzzy Search)</a:t>
-            </a:r>
-            <a:r>
-              <a:rPr lang="zh-TW" altLang="en-US" sz="2400" dirty="0" smtClean="0">
-                <a:latin typeface="標楷體" panose="03000509000000000000" pitchFamily="65" charset="-120"/>
-                <a:ea typeface="標楷體" panose="03000509000000000000" pitchFamily="65" charset="-120"/>
-              </a:rPr>
-              <a:t>，例如輸入 </a:t>
-            </a:r>
-            <a:r>
-              <a:rPr lang="en-US" altLang="zh-TW" sz="2400" dirty="0" smtClean="0">
-                <a:latin typeface="標楷體" panose="03000509000000000000" pitchFamily="65" charset="-120"/>
-                <a:ea typeface="標楷體" panose="03000509000000000000" pitchFamily="65" charset="-120"/>
-              </a:rPr>
-              <a:t>"eggs" </a:t>
-            </a:r>
-            <a:r>
-              <a:rPr lang="zh-TW" altLang="en-US" sz="2400" dirty="0" smtClean="0">
-                <a:latin typeface="標楷體" panose="03000509000000000000" pitchFamily="65" charset="-120"/>
-                <a:ea typeface="標楷體" panose="03000509000000000000" pitchFamily="65" charset="-120"/>
-              </a:rPr>
-              <a:t>也能搜尋 </a:t>
-            </a:r>
-            <a:r>
-              <a:rPr lang="en-US" altLang="zh-TW" sz="2400" dirty="0" smtClean="0">
-                <a:latin typeface="標楷體" panose="03000509000000000000" pitchFamily="65" charset="-120"/>
-                <a:ea typeface="標楷體" panose="03000509000000000000" pitchFamily="65" charset="-120"/>
-              </a:rPr>
-              <a:t>"egg"</a:t>
-            </a:r>
-            <a:r>
-              <a:rPr lang="zh-TW" altLang="en-US" sz="2400" dirty="0" smtClean="0">
-                <a:latin typeface="標楷體" panose="03000509000000000000" pitchFamily="65" charset="-120"/>
-                <a:ea typeface="標楷體" panose="03000509000000000000" pitchFamily="65" charset="-120"/>
-              </a:rPr>
-              <a:t>。</a:t>
-            </a:r>
-          </a:p>
-          <a:p>
-            <a:endParaRPr lang="zh-TW" altLang="en-US" sz="2400" dirty="0" smtClean="0">
-              <a:latin typeface="標楷體" panose="03000509000000000000" pitchFamily="65" charset="-120"/>
-              <a:ea typeface="標楷體" panose="03000509000000000000" pitchFamily="65" charset="-120"/>
-            </a:endParaRPr>
-          </a:p>
-          <a:p>
-            <a:r>
-              <a:rPr lang="en-US" altLang="zh-TW" sz="2400" dirty="0" smtClean="0">
-                <a:latin typeface="標楷體" panose="03000509000000000000" pitchFamily="65" charset="-120"/>
-                <a:ea typeface="標楷體" panose="03000509000000000000" pitchFamily="65" charset="-120"/>
-              </a:rPr>
-              <a:t>3. </a:t>
-            </a:r>
-            <a:r>
-              <a:rPr lang="zh-TW" altLang="en-US" sz="2400" dirty="0" smtClean="0">
-                <a:latin typeface="標楷體" panose="03000509000000000000" pitchFamily="65" charset="-120"/>
-                <a:ea typeface="標楷體" panose="03000509000000000000" pitchFamily="65" charset="-120"/>
-              </a:rPr>
-              <a:t>錯誤處理機制</a:t>
-            </a:r>
-          </a:p>
-          <a:p>
-            <a:r>
-              <a:rPr lang="zh-TW" altLang="en-US" sz="2400" dirty="0" smtClean="0">
-                <a:latin typeface="標楷體" panose="03000509000000000000" pitchFamily="65" charset="-120"/>
-                <a:ea typeface="標楷體" panose="03000509000000000000" pitchFamily="65" charset="-120"/>
-              </a:rPr>
-              <a:t>   </a:t>
-            </a:r>
-            <a:r>
-              <a:rPr lang="en-US" altLang="zh-TW" sz="2400" dirty="0" smtClean="0">
-                <a:latin typeface="標楷體" panose="03000509000000000000" pitchFamily="65" charset="-120"/>
-                <a:ea typeface="標楷體" panose="03000509000000000000" pitchFamily="65" charset="-120"/>
-              </a:rPr>
-              <a:t>- </a:t>
-            </a:r>
-            <a:r>
-              <a:rPr lang="zh-TW" altLang="en-US" sz="2400" dirty="0" smtClean="0">
-                <a:latin typeface="標楷體" panose="03000509000000000000" pitchFamily="65" charset="-120"/>
-                <a:ea typeface="標楷體" panose="03000509000000000000" pitchFamily="65" charset="-120"/>
-              </a:rPr>
-              <a:t>增加 </a:t>
-            </a:r>
-            <a:r>
-              <a:rPr lang="en-US" altLang="zh-TW" sz="2400" dirty="0" smtClean="0">
-                <a:latin typeface="標楷體" panose="03000509000000000000" pitchFamily="65" charset="-120"/>
-                <a:ea typeface="標楷體" panose="03000509000000000000" pitchFamily="65" charset="-120"/>
-              </a:rPr>
-              <a:t>404 Not Found </a:t>
-            </a:r>
-            <a:r>
-              <a:rPr lang="zh-TW" altLang="en-US" sz="2400" dirty="0" smtClean="0">
-                <a:latin typeface="標楷體" panose="03000509000000000000" pitchFamily="65" charset="-120"/>
-                <a:ea typeface="標楷體" panose="03000509000000000000" pitchFamily="65" charset="-120"/>
-              </a:rPr>
-              <a:t>等 </a:t>
-            </a:r>
-            <a:r>
-              <a:rPr lang="en-US" altLang="zh-TW" sz="2400" dirty="0" smtClean="0">
-                <a:latin typeface="標楷體" panose="03000509000000000000" pitchFamily="65" charset="-120"/>
-                <a:ea typeface="標楷體" panose="03000509000000000000" pitchFamily="65" charset="-120"/>
-              </a:rPr>
-              <a:t>HTTP </a:t>
-            </a:r>
-            <a:r>
-              <a:rPr lang="zh-TW" altLang="en-US" sz="2400" dirty="0" smtClean="0">
-                <a:latin typeface="標楷體" panose="03000509000000000000" pitchFamily="65" charset="-120"/>
-                <a:ea typeface="標楷體" panose="03000509000000000000" pitchFamily="65" charset="-120"/>
-              </a:rPr>
-              <a:t>狀態碼的回傳處理。</a:t>
-            </a:r>
-            <a:endParaRPr lang="zh-TW" altLang="en-US" sz="2400" dirty="0">
-              <a:latin typeface="標楷體" panose="03000509000000000000" pitchFamily="65" charset="-120"/>
-              <a:ea typeface="標楷體" panose="03000509000000000000" pitchFamily="65" charset="-120"/>
-            </a:endParaRPr>
-          </a:p>
         </p:txBody>
       </p:sp>
     </p:spTree>
     <p:extLst>
       <p:ext uri="{BB962C8B-B14F-4D97-AF65-F5344CB8AC3E}">
-        <p14:creationId xmlns:p14="http://schemas.microsoft.com/office/powerpoint/2010/main" val="873254316"/>
+        <p14:creationId xmlns:p14="http://schemas.microsoft.com/office/powerpoint/2010/main" val="3629808407"/>
       </p:ext>
     </p:extLst>
   </p:cSld>
